--- a/slides/DS_Week10_02_GraphMatchings.pptx
+++ b/slides/DS_Week10_02_GraphMatchings.pptx
@@ -5,10 +5,10 @@
     <p:sldMasterId id="2147483649" r:id="rId1"/>
   </p:sldMasterIdLst>
   <p:notesMasterIdLst>
-    <p:notesMasterId r:id="rId26"/>
+    <p:notesMasterId r:id="rId27"/>
   </p:notesMasterIdLst>
   <p:handoutMasterIdLst>
-    <p:handoutMasterId r:id="rId27"/>
+    <p:handoutMasterId r:id="rId28"/>
   </p:handoutMasterIdLst>
   <p:sldIdLst>
     <p:sldId id="430" r:id="rId2"/>
@@ -21,20 +21,21 @@
     <p:sldId id="517" r:id="rId9"/>
     <p:sldId id="518" r:id="rId10"/>
     <p:sldId id="519" r:id="rId11"/>
-    <p:sldId id="520" r:id="rId12"/>
-    <p:sldId id="521" r:id="rId13"/>
-    <p:sldId id="522" r:id="rId14"/>
-    <p:sldId id="523" r:id="rId15"/>
-    <p:sldId id="524" r:id="rId16"/>
-    <p:sldId id="525" r:id="rId17"/>
-    <p:sldId id="526" r:id="rId18"/>
-    <p:sldId id="527" r:id="rId19"/>
-    <p:sldId id="528" r:id="rId20"/>
-    <p:sldId id="529" r:id="rId21"/>
-    <p:sldId id="530" r:id="rId22"/>
-    <p:sldId id="531" r:id="rId23"/>
-    <p:sldId id="532" r:id="rId24"/>
-    <p:sldId id="533" r:id="rId25"/>
+    <p:sldId id="534" r:id="rId12"/>
+    <p:sldId id="520" r:id="rId13"/>
+    <p:sldId id="521" r:id="rId14"/>
+    <p:sldId id="522" r:id="rId15"/>
+    <p:sldId id="523" r:id="rId16"/>
+    <p:sldId id="524" r:id="rId17"/>
+    <p:sldId id="525" r:id="rId18"/>
+    <p:sldId id="526" r:id="rId19"/>
+    <p:sldId id="527" r:id="rId20"/>
+    <p:sldId id="528" r:id="rId21"/>
+    <p:sldId id="529" r:id="rId22"/>
+    <p:sldId id="530" r:id="rId23"/>
+    <p:sldId id="531" r:id="rId24"/>
+    <p:sldId id="532" r:id="rId25"/>
+    <p:sldId id="533" r:id="rId26"/>
   </p:sldIdLst>
   <p:sldSz cx="12192000" cy="6858000"/>
   <p:notesSz cx="6858000" cy="9144000"/>
@@ -164,6 +165,43 @@
     </a:lvl9pPr>
   </p:defaultTextStyle>
   <p:extLst>
+    <p:ext uri="{521415D9-36F7-43E2-AB2F-B90AF26B5E84}">
+      <p14:sectionLst xmlns:p14="http://schemas.microsoft.com/office/powerpoint/2010/main">
+        <p14:section name="Default Section" id="{7AF963B1-C2DD-4CDA-B73A-5D529934DCE8}">
+          <p14:sldIdLst>
+            <p14:sldId id="430"/>
+            <p14:sldId id="511"/>
+            <p14:sldId id="512"/>
+            <p14:sldId id="513"/>
+            <p14:sldId id="514"/>
+            <p14:sldId id="515"/>
+            <p14:sldId id="516"/>
+            <p14:sldId id="517"/>
+            <p14:sldId id="518"/>
+            <p14:sldId id="519"/>
+            <p14:sldId id="534"/>
+          </p14:sldIdLst>
+        </p14:section>
+        <p14:section name="Untitled Section" id="{B2756D1F-60D8-4BAC-9255-9C8CD2A1335D}">
+          <p14:sldIdLst>
+            <p14:sldId id="520"/>
+            <p14:sldId id="521"/>
+            <p14:sldId id="522"/>
+            <p14:sldId id="523"/>
+            <p14:sldId id="524"/>
+            <p14:sldId id="525"/>
+            <p14:sldId id="526"/>
+            <p14:sldId id="527"/>
+            <p14:sldId id="528"/>
+            <p14:sldId id="529"/>
+            <p14:sldId id="530"/>
+            <p14:sldId id="531"/>
+            <p14:sldId id="532"/>
+            <p14:sldId id="533"/>
+          </p14:sldIdLst>
+        </p14:section>
+      </p14:sectionLst>
+    </p:ext>
     <p:ext uri="{EFAFB233-063F-42B5-8137-9DF3F51BA10A}">
       <p15:sldGuideLst xmlns:p15="http://schemas.microsoft.com/office/powerpoint/2012/main">
         <p15:guide id="1" orient="horz" pos="2160" userDrawn="1">
@@ -3363,10 +3401,10 @@
           <a:lstStyle/>
           <a:p>
             <a:r>
-              <a:rPr lang="en-US" dirty="0" smtClean="0"/>
-              <a:t>Matching (continued)</a:t>
-            </a:r>
-            <a:endParaRPr lang="en-US" dirty="0"/>
+              <a:rPr lang="lv-LV" smtClean="0"/>
+              <a:t>Matchings vs. Max Flow Problems</a:t>
+            </a:r>
+            <a:endParaRPr lang="lv-LV"/>
           </a:p>
         </p:txBody>
       </p:sp>
@@ -3385,167 +3423,38 @@
           <a:bodyPr/>
           <a:lstStyle/>
           <a:p>
-            <a:r>
-              <a:rPr lang="en-US" dirty="0" smtClean="0"/>
-              <a:t>Stable Matching Problem</a:t>
-            </a:r>
-          </a:p>
-          <a:p>
-            <a:pPr lvl="1"/>
-            <a:r>
-              <a:rPr lang="en-US" dirty="0" smtClean="0"/>
-              <a:t>In the example of matching applicants with jobs, any successful maximum matching was fine</a:t>
-            </a:r>
-          </a:p>
-          <a:p>
-            <a:pPr lvl="1"/>
-            <a:r>
-              <a:rPr lang="en-US" dirty="0" smtClean="0"/>
-              <a:t>However, this is typically not possible due to preferences for jobs among applicants, and for applicants among employers</a:t>
-            </a:r>
-          </a:p>
-          <a:p>
-            <a:pPr lvl="1"/>
-            <a:r>
-              <a:rPr lang="en-US" dirty="0" smtClean="0"/>
-              <a:t>The </a:t>
-            </a:r>
-            <a:r>
-              <a:rPr lang="en-US" b="1" i="1" dirty="0" smtClean="0"/>
-              <a:t>stable matching</a:t>
-            </a:r>
-            <a:r>
-              <a:rPr lang="en-US" dirty="0" smtClean="0"/>
-              <a:t> (also called </a:t>
-            </a:r>
-            <a:r>
-              <a:rPr lang="en-US" b="1" i="1" dirty="0" smtClean="0"/>
-              <a:t>stable marriage</a:t>
-            </a:r>
-            <a:r>
-              <a:rPr lang="en-US" dirty="0" smtClean="0"/>
-              <a:t>) </a:t>
-            </a:r>
-            <a:r>
-              <a:rPr lang="en-US" b="1" i="1" dirty="0" smtClean="0"/>
-              <a:t>problem</a:t>
-            </a:r>
-            <a:r>
-              <a:rPr lang="en-US" dirty="0" smtClean="0"/>
-              <a:t> uses two non-overlapping sets with the same cardinality, </a:t>
-            </a:r>
-            <a:r>
-              <a:rPr lang="en-US" i="1" dirty="0" smtClean="0"/>
-              <a:t>U</a:t>
-            </a:r>
-            <a:r>
-              <a:rPr lang="en-US" dirty="0" smtClean="0"/>
-              <a:t> and </a:t>
-            </a:r>
-            <a:r>
-              <a:rPr lang="en-US" i="1" dirty="0" smtClean="0"/>
-              <a:t>W</a:t>
-            </a:r>
-            <a:endParaRPr lang="en-US" dirty="0" smtClean="0"/>
-          </a:p>
-          <a:p>
-            <a:pPr lvl="1"/>
-            <a:r>
-              <a:rPr lang="en-US" dirty="0" smtClean="0"/>
-              <a:t>The elements of </a:t>
-            </a:r>
-            <a:r>
-              <a:rPr lang="en-US" i="1" dirty="0" smtClean="0"/>
-              <a:t>U</a:t>
-            </a:r>
-            <a:r>
-              <a:rPr lang="en-US" dirty="0" smtClean="0"/>
-              <a:t> have a ranking list of elements of </a:t>
-            </a:r>
-            <a:r>
-              <a:rPr lang="en-US" i="1" dirty="0" smtClean="0"/>
-              <a:t>W</a:t>
-            </a:r>
-            <a:r>
-              <a:rPr lang="en-US" dirty="0" smtClean="0"/>
-              <a:t>, and those of </a:t>
-            </a:r>
-            <a:r>
-              <a:rPr lang="en-US" i="1" dirty="0" smtClean="0"/>
-              <a:t>W</a:t>
-            </a:r>
-            <a:r>
-              <a:rPr lang="en-US" dirty="0" smtClean="0"/>
-              <a:t> have a preference list of elements of </a:t>
-            </a:r>
-            <a:r>
-              <a:rPr lang="en-US" i="1" dirty="0" smtClean="0"/>
-              <a:t>U</a:t>
-            </a:r>
-            <a:endParaRPr lang="en-US" dirty="0" smtClean="0"/>
-          </a:p>
-          <a:p>
-            <a:pPr lvl="1"/>
-            <a:r>
-              <a:rPr lang="en-US" dirty="0" smtClean="0"/>
-              <a:t>The ideal matching is to place elements with their highest preference, but because of possible conflicts, a stable matching is sought</a:t>
-            </a:r>
-          </a:p>
-          <a:p>
-            <a:pPr lvl="1"/>
-            <a:r>
-              <a:rPr lang="en-US" dirty="0" smtClean="0"/>
-              <a:t>A matching is </a:t>
-            </a:r>
-            <a:r>
-              <a:rPr lang="en-US" b="1" i="1" dirty="0" smtClean="0"/>
-              <a:t>unstable</a:t>
-            </a:r>
-            <a:r>
-              <a:rPr lang="en-US" dirty="0" smtClean="0"/>
-              <a:t> is two elements rank each other higher than those with which they are currently matched; otherwise it is </a:t>
-            </a:r>
-            <a:r>
-              <a:rPr lang="en-US" b="1" i="1" dirty="0" smtClean="0"/>
-              <a:t>stable</a:t>
-            </a:r>
-            <a:endParaRPr lang="en-US" b="1" i="1" dirty="0"/>
+            <a:endParaRPr lang="lv-LV"/>
           </a:p>
         </p:txBody>
       </p:sp>
-      <p:sp>
-        <p:nvSpPr>
-          <p:cNvPr id="5" name="Slide Number Placeholder 4"/>
-          <p:cNvSpPr>
-            <a:spLocks noGrp="1"/>
-          </p:cNvSpPr>
-          <p:nvPr>
-            <p:ph type="sldNum" sz="quarter" idx="12"/>
-          </p:nvPr>
-        </p:nvSpPr>
-        <p:spPr/>
-        <p:txBody>
-          <a:bodyPr/>
-          <a:lstStyle/>
-          <a:p>
-            <a:pPr>
-              <a:defRPr/>
-            </a:pPr>
-            <a:fld id="{54239539-FAAE-47F3-A644-ECC48BA6469C}" type="slidenum">
-              <a:rPr lang="en-US" smtClean="0"/>
-              <a:pPr>
-                <a:defRPr/>
-              </a:pPr>
-              <a:t>11</a:t>
-            </a:fld>
-            <a:endParaRPr lang="en-US" dirty="0"/>
-          </a:p>
-        </p:txBody>
-      </p:sp>
+      <p:pic>
+        <p:nvPicPr>
+          <p:cNvPr id="4" name="Picture 3"/>
+          <p:cNvPicPr>
+            <a:picLocks noChangeAspect="1"/>
+          </p:cNvPicPr>
+          <p:nvPr/>
+        </p:nvPicPr>
+        <p:blipFill>
+          <a:blip r:embed="rId2"/>
+          <a:stretch>
+            <a:fillRect/>
+          </a:stretch>
+        </p:blipFill>
+        <p:spPr>
+          <a:xfrm>
+            <a:off x="3124200" y="2085976"/>
+            <a:ext cx="7372350" cy="3448050"/>
+          </a:xfrm>
+          <a:prstGeom prst="rect">
+            <a:avLst/>
+          </a:prstGeom>
+        </p:spPr>
+      </p:pic>
     </p:spTree>
     <p:extLst>
       <p:ext uri="{BB962C8B-B14F-4D97-AF65-F5344CB8AC3E}">
-        <p14:creationId xmlns:p14="http://schemas.microsoft.com/office/powerpoint/2010/main" val="3693761901"/>
+        <p14:creationId xmlns:p14="http://schemas.microsoft.com/office/powerpoint/2010/main" val="3706926374"/>
       </p:ext>
     </p:extLst>
   </p:cSld>
@@ -3614,788 +3523,130 @@
           <a:lstStyle/>
           <a:p>
             <a:r>
-              <a:rPr lang="en-US" dirty="0"/>
-              <a:t>Stable Matching </a:t>
-            </a:r>
-            <a:r>
-              <a:rPr lang="en-US" dirty="0" smtClean="0"/>
-              <a:t>Problem</a:t>
-            </a:r>
-            <a:r>
-              <a:rPr lang="en-US" dirty="0"/>
-              <a:t> </a:t>
-            </a:r>
-            <a:r>
-              <a:rPr lang="en-US" dirty="0" smtClean="0"/>
-              <a:t>(continued)</a:t>
+              <a:rPr lang="en-US" dirty="0" smtClean="0"/>
+              <a:t>Stable Matching Problem</a:t>
             </a:r>
           </a:p>
           <a:p>
             <a:pPr lvl="1"/>
             <a:r>
               <a:rPr lang="en-US" dirty="0" smtClean="0"/>
-              <a:t>If we consider the two sets </a:t>
-            </a:r>
-            <a:r>
-              <a:rPr lang="pl-PL" i="1" dirty="0"/>
-              <a:t>U </a:t>
-            </a:r>
-            <a:r>
-              <a:rPr lang="pl-PL" dirty="0"/>
-              <a:t>= {</a:t>
-            </a:r>
-            <a:r>
-              <a:rPr lang="pl-PL" i="1" dirty="0"/>
-              <a:t>u</a:t>
-            </a:r>
-            <a:r>
-              <a:rPr lang="pl-PL" baseline="-25000" dirty="0"/>
-              <a:t>1</a:t>
-            </a:r>
-            <a:r>
-              <a:rPr lang="pl-PL" dirty="0"/>
-              <a:t>, </a:t>
-            </a:r>
-            <a:r>
-              <a:rPr lang="pl-PL" i="1" dirty="0"/>
-              <a:t>u</a:t>
-            </a:r>
-            <a:r>
-              <a:rPr lang="pl-PL" baseline="-25000" dirty="0"/>
-              <a:t>2</a:t>
-            </a:r>
-            <a:r>
-              <a:rPr lang="pl-PL" dirty="0"/>
-              <a:t>, </a:t>
-            </a:r>
-            <a:r>
-              <a:rPr lang="pl-PL" i="1" dirty="0"/>
-              <a:t>u</a:t>
-            </a:r>
-            <a:r>
-              <a:rPr lang="pl-PL" baseline="-25000" dirty="0"/>
-              <a:t>3</a:t>
-            </a:r>
-            <a:r>
-              <a:rPr lang="pl-PL" dirty="0"/>
-              <a:t>, </a:t>
-            </a:r>
-            <a:r>
-              <a:rPr lang="pl-PL" i="1" dirty="0"/>
-              <a:t>u</a:t>
-            </a:r>
-            <a:r>
-              <a:rPr lang="pl-PL" baseline="-25000" dirty="0"/>
-              <a:t>4</a:t>
-            </a:r>
-            <a:r>
-              <a:rPr lang="pl-PL" dirty="0" smtClean="0"/>
-              <a:t>}</a:t>
+              <a:t>In the example of matching applicants with jobs, any successful maximum matching was fine</a:t>
+            </a:r>
+          </a:p>
+          <a:p>
+            <a:pPr lvl="1"/>
+            <a:r>
+              <a:rPr lang="en-US" dirty="0" smtClean="0"/>
+              <a:t>However, this is typically not possible due to preferences for jobs among applicants, and for applicants among employers</a:t>
+            </a:r>
+          </a:p>
+          <a:p>
+            <a:pPr lvl="1"/>
+            <a:r>
+              <a:rPr lang="en-US" dirty="0" smtClean="0"/>
+              <a:t>The </a:t>
+            </a:r>
+            <a:r>
+              <a:rPr lang="en-US" b="1" i="1" dirty="0" smtClean="0"/>
+              <a:t>stable matching</a:t>
+            </a:r>
+            <a:r>
+              <a:rPr lang="en-US" dirty="0" smtClean="0"/>
+              <a:t> (also called </a:t>
+            </a:r>
+            <a:r>
+              <a:rPr lang="en-US" b="1" i="1" dirty="0" smtClean="0"/>
+              <a:t>stable marriage</a:t>
+            </a:r>
+            <a:r>
+              <a:rPr lang="en-US" dirty="0" smtClean="0"/>
+              <a:t>) </a:t>
+            </a:r>
+            <a:r>
+              <a:rPr lang="en-US" b="1" i="1" dirty="0" smtClean="0"/>
+              <a:t>problem</a:t>
+            </a:r>
+            <a:r>
+              <a:rPr lang="en-US" dirty="0" smtClean="0"/>
+              <a:t> uses two non-overlapping sets with the same cardinality, </a:t>
+            </a:r>
+            <a:r>
+              <a:rPr lang="en-US" i="1" dirty="0" smtClean="0"/>
+              <a:t>U</a:t>
             </a:r>
             <a:r>
               <a:rPr lang="en-US" dirty="0" smtClean="0"/>
               <a:t> and </a:t>
             </a:r>
             <a:r>
-              <a:rPr lang="pl-PL" i="1" dirty="0"/>
-              <a:t>W </a:t>
-            </a:r>
-            <a:r>
-              <a:rPr lang="pl-PL" dirty="0"/>
-              <a:t>= {</a:t>
-            </a:r>
-            <a:r>
-              <a:rPr lang="pl-PL" i="1" dirty="0"/>
-              <a:t>w</a:t>
-            </a:r>
-            <a:r>
-              <a:rPr lang="pl-PL" baseline="-25000" dirty="0"/>
-              <a:t>1</a:t>
-            </a:r>
-            <a:r>
-              <a:rPr lang="pl-PL" dirty="0"/>
-              <a:t>, </a:t>
-            </a:r>
-            <a:r>
-              <a:rPr lang="pl-PL" i="1" dirty="0"/>
-              <a:t>w</a:t>
-            </a:r>
-            <a:r>
-              <a:rPr lang="pl-PL" baseline="-25000" dirty="0"/>
-              <a:t>2</a:t>
-            </a:r>
-            <a:r>
-              <a:rPr lang="pl-PL" dirty="0"/>
-              <a:t>, </a:t>
-            </a:r>
-            <a:r>
-              <a:rPr lang="pl-PL" i="1" dirty="0"/>
-              <a:t>w</a:t>
-            </a:r>
-            <a:r>
-              <a:rPr lang="pl-PL" baseline="-25000" dirty="0"/>
-              <a:t>3</a:t>
-            </a:r>
-            <a:r>
-              <a:rPr lang="pl-PL" dirty="0"/>
-              <a:t>, </a:t>
-            </a:r>
-            <a:r>
-              <a:rPr lang="pl-PL" i="1" dirty="0"/>
-              <a:t>w</a:t>
-            </a:r>
-            <a:r>
-              <a:rPr lang="pl-PL" baseline="-25000" dirty="0"/>
-              <a:t>4</a:t>
-            </a:r>
-            <a:r>
-              <a:rPr lang="pl-PL" dirty="0" smtClean="0"/>
-              <a:t>}</a:t>
-            </a:r>
-            <a:r>
-              <a:rPr lang="en-US" dirty="0" smtClean="0"/>
-              <a:t>, and the following ranking lists:</a:t>
-            </a:r>
-          </a:p>
-          <a:p>
-            <a:pPr marL="0" indent="0" algn="ctr">
-              <a:buNone/>
-            </a:pPr>
-            <a:r>
-              <a:rPr lang="pl-PL" sz="2000" i="1" dirty="0"/>
-              <a:t>u</a:t>
-            </a:r>
-            <a:r>
-              <a:rPr lang="pl-PL" sz="2000" baseline="-25000" dirty="0"/>
-              <a:t>1</a:t>
-            </a:r>
-            <a:r>
-              <a:rPr lang="pl-PL" sz="2000" dirty="0"/>
-              <a:t>: </a:t>
-            </a:r>
-            <a:r>
-              <a:rPr lang="pl-PL" sz="2000" i="1" dirty="0"/>
-              <a:t>w</a:t>
-            </a:r>
-            <a:r>
-              <a:rPr lang="pl-PL" sz="2000" baseline="-25000" dirty="0"/>
-              <a:t>2</a:t>
-            </a:r>
-            <a:r>
-              <a:rPr lang="pl-PL" sz="2000" dirty="0"/>
-              <a:t> &gt; </a:t>
-            </a:r>
-            <a:r>
-              <a:rPr lang="pl-PL" sz="2000" i="1" dirty="0"/>
-              <a:t>w</a:t>
-            </a:r>
-            <a:r>
-              <a:rPr lang="pl-PL" sz="2000" baseline="-25000" dirty="0"/>
-              <a:t>1</a:t>
-            </a:r>
-            <a:r>
-              <a:rPr lang="pl-PL" sz="2000" dirty="0"/>
-              <a:t> &gt; </a:t>
-            </a:r>
-            <a:r>
-              <a:rPr lang="pl-PL" sz="2000" i="1" dirty="0"/>
-              <a:t>w</a:t>
-            </a:r>
-            <a:r>
-              <a:rPr lang="pl-PL" sz="2000" baseline="-25000" dirty="0"/>
-              <a:t>3</a:t>
-            </a:r>
-            <a:r>
-              <a:rPr lang="pl-PL" sz="2000" dirty="0"/>
-              <a:t> &gt; </a:t>
-            </a:r>
-            <a:r>
-              <a:rPr lang="pl-PL" sz="2000" i="1" dirty="0"/>
-              <a:t>w</a:t>
-            </a:r>
-            <a:r>
-              <a:rPr lang="pl-PL" sz="2000" baseline="-25000" dirty="0"/>
-              <a:t>4</a:t>
-            </a:r>
-            <a:r>
-              <a:rPr lang="en-US" sz="2000" dirty="0"/>
-              <a:t>	</a:t>
-            </a:r>
-            <a:r>
-              <a:rPr lang="pl-PL" sz="2000" i="1" dirty="0"/>
-              <a:t>w</a:t>
-            </a:r>
-            <a:r>
-              <a:rPr lang="pl-PL" sz="2000" baseline="-25000" dirty="0"/>
-              <a:t>1</a:t>
-            </a:r>
-            <a:r>
-              <a:rPr lang="pl-PL" sz="2000" dirty="0"/>
-              <a:t>: </a:t>
-            </a:r>
-            <a:r>
-              <a:rPr lang="pl-PL" sz="2000" i="1" dirty="0"/>
-              <a:t>u</a:t>
-            </a:r>
-            <a:r>
-              <a:rPr lang="pl-PL" sz="2000" baseline="-25000" dirty="0"/>
-              <a:t>3</a:t>
-            </a:r>
-            <a:r>
-              <a:rPr lang="pl-PL" sz="2000" dirty="0"/>
-              <a:t> &gt; </a:t>
-            </a:r>
-            <a:r>
-              <a:rPr lang="pl-PL" sz="2000" i="1" dirty="0"/>
-              <a:t>u</a:t>
-            </a:r>
-            <a:r>
-              <a:rPr lang="pl-PL" sz="2000" baseline="-25000" dirty="0"/>
-              <a:t>2</a:t>
-            </a:r>
-            <a:r>
-              <a:rPr lang="pl-PL" sz="2000" dirty="0"/>
-              <a:t> &gt; </a:t>
-            </a:r>
-            <a:r>
-              <a:rPr lang="pl-PL" sz="2000" i="1" dirty="0"/>
-              <a:t>u</a:t>
-            </a:r>
-            <a:r>
-              <a:rPr lang="pl-PL" sz="2000" baseline="-25000" dirty="0"/>
-              <a:t>1</a:t>
-            </a:r>
-            <a:r>
-              <a:rPr lang="pl-PL" sz="2000" dirty="0"/>
-              <a:t> &gt; </a:t>
-            </a:r>
-            <a:r>
-              <a:rPr lang="pl-PL" sz="2000" i="1" dirty="0"/>
-              <a:t>u</a:t>
-            </a:r>
-            <a:r>
-              <a:rPr lang="pl-PL" sz="2000" baseline="-25000" dirty="0"/>
-              <a:t>4</a:t>
-            </a:r>
-          </a:p>
-          <a:p>
-            <a:pPr marL="0" indent="0" algn="ctr">
-              <a:buNone/>
-            </a:pPr>
-            <a:r>
-              <a:rPr lang="pl-PL" sz="2000" i="1" dirty="0"/>
-              <a:t>u</a:t>
-            </a:r>
-            <a:r>
-              <a:rPr lang="pl-PL" sz="2000" baseline="-25000" dirty="0"/>
-              <a:t>2</a:t>
-            </a:r>
-            <a:r>
-              <a:rPr lang="pl-PL" sz="2000" dirty="0"/>
-              <a:t>: </a:t>
-            </a:r>
-            <a:r>
-              <a:rPr lang="pl-PL" sz="2000" i="1" dirty="0"/>
-              <a:t>w</a:t>
-            </a:r>
-            <a:r>
-              <a:rPr lang="pl-PL" sz="2000" baseline="-25000" dirty="0"/>
-              <a:t>3</a:t>
-            </a:r>
-            <a:r>
-              <a:rPr lang="pl-PL" sz="2000" dirty="0"/>
-              <a:t> &gt; </a:t>
-            </a:r>
-            <a:r>
-              <a:rPr lang="pl-PL" sz="2000" i="1" dirty="0"/>
-              <a:t>w</a:t>
-            </a:r>
-            <a:r>
-              <a:rPr lang="pl-PL" sz="2000" baseline="-25000" dirty="0"/>
-              <a:t>2</a:t>
-            </a:r>
-            <a:r>
-              <a:rPr lang="pl-PL" sz="2000" dirty="0"/>
-              <a:t> &gt; </a:t>
-            </a:r>
-            <a:r>
-              <a:rPr lang="pl-PL" sz="2000" i="1" dirty="0"/>
-              <a:t>w</a:t>
-            </a:r>
-            <a:r>
-              <a:rPr lang="pl-PL" sz="2000" baseline="-25000" dirty="0"/>
-              <a:t>1</a:t>
-            </a:r>
-            <a:r>
-              <a:rPr lang="pl-PL" sz="2000" dirty="0"/>
-              <a:t> &gt; </a:t>
-            </a:r>
-            <a:r>
-              <a:rPr lang="pl-PL" sz="2000" i="1" dirty="0"/>
-              <a:t>w</a:t>
-            </a:r>
-            <a:r>
-              <a:rPr lang="pl-PL" sz="2000" baseline="-25000" dirty="0"/>
-              <a:t>4</a:t>
-            </a:r>
-            <a:r>
-              <a:rPr lang="en-US" sz="2000" dirty="0"/>
-              <a:t>	</a:t>
-            </a:r>
-            <a:r>
-              <a:rPr lang="pl-PL" sz="2000" i="1" dirty="0"/>
-              <a:t>w</a:t>
-            </a:r>
-            <a:r>
-              <a:rPr lang="pl-PL" sz="2000" baseline="-25000" dirty="0"/>
-              <a:t>2</a:t>
-            </a:r>
-            <a:r>
-              <a:rPr lang="pl-PL" sz="2000" dirty="0"/>
-              <a:t>: </a:t>
-            </a:r>
-            <a:r>
-              <a:rPr lang="pl-PL" sz="2000" i="1" dirty="0"/>
-              <a:t>u</a:t>
-            </a:r>
-            <a:r>
-              <a:rPr lang="pl-PL" sz="2000" baseline="-25000" dirty="0"/>
-              <a:t>1</a:t>
-            </a:r>
-            <a:r>
-              <a:rPr lang="pl-PL" sz="2000" dirty="0"/>
-              <a:t> &gt; </a:t>
-            </a:r>
-            <a:r>
-              <a:rPr lang="pl-PL" sz="2000" i="1" dirty="0"/>
-              <a:t>u</a:t>
-            </a:r>
-            <a:r>
-              <a:rPr lang="pl-PL" sz="2000" baseline="-25000" dirty="0"/>
-              <a:t>3</a:t>
-            </a:r>
-            <a:r>
-              <a:rPr lang="pl-PL" sz="2000" dirty="0"/>
-              <a:t> &gt; </a:t>
-            </a:r>
-            <a:r>
-              <a:rPr lang="pl-PL" sz="2000" i="1" dirty="0"/>
-              <a:t>u</a:t>
-            </a:r>
-            <a:r>
-              <a:rPr lang="pl-PL" sz="2000" baseline="-25000" dirty="0"/>
-              <a:t>4</a:t>
-            </a:r>
-            <a:r>
-              <a:rPr lang="pl-PL" sz="2000" dirty="0"/>
-              <a:t> &gt; </a:t>
-            </a:r>
-            <a:r>
-              <a:rPr lang="pl-PL" sz="2000" i="1" dirty="0"/>
-              <a:t>u</a:t>
-            </a:r>
-            <a:r>
-              <a:rPr lang="pl-PL" sz="2000" baseline="-25000" dirty="0"/>
-              <a:t>2</a:t>
-            </a:r>
-          </a:p>
-          <a:p>
-            <a:pPr marL="0" indent="0" algn="ctr">
-              <a:buNone/>
-            </a:pPr>
-            <a:r>
-              <a:rPr lang="pl-PL" sz="2000" i="1" dirty="0"/>
-              <a:t>u</a:t>
-            </a:r>
-            <a:r>
-              <a:rPr lang="pl-PL" sz="2000" baseline="-25000" dirty="0"/>
-              <a:t>3</a:t>
-            </a:r>
-            <a:r>
-              <a:rPr lang="pl-PL" sz="2000" dirty="0"/>
-              <a:t>: </a:t>
-            </a:r>
-            <a:r>
-              <a:rPr lang="pl-PL" sz="2000" i="1" dirty="0"/>
-              <a:t>w</a:t>
-            </a:r>
-            <a:r>
-              <a:rPr lang="pl-PL" sz="2000" baseline="-25000" dirty="0"/>
-              <a:t>3</a:t>
-            </a:r>
-            <a:r>
-              <a:rPr lang="pl-PL" sz="2000" dirty="0"/>
-              <a:t> &gt; </a:t>
-            </a:r>
-            <a:r>
-              <a:rPr lang="pl-PL" sz="2000" i="1" dirty="0"/>
-              <a:t>w</a:t>
-            </a:r>
-            <a:r>
-              <a:rPr lang="pl-PL" sz="2000" baseline="-25000" dirty="0"/>
-              <a:t>4</a:t>
-            </a:r>
-            <a:r>
-              <a:rPr lang="pl-PL" sz="2000" dirty="0"/>
-              <a:t> &gt; </a:t>
-            </a:r>
-            <a:r>
-              <a:rPr lang="pl-PL" sz="2000" i="1" dirty="0"/>
-              <a:t>w</a:t>
-            </a:r>
-            <a:r>
-              <a:rPr lang="pl-PL" sz="2000" baseline="-25000" dirty="0"/>
-              <a:t>1</a:t>
-            </a:r>
-            <a:r>
-              <a:rPr lang="pl-PL" sz="2000" dirty="0"/>
-              <a:t> &gt; </a:t>
-            </a:r>
-            <a:r>
-              <a:rPr lang="pl-PL" sz="2000" i="1" dirty="0"/>
-              <a:t>w</a:t>
-            </a:r>
-            <a:r>
-              <a:rPr lang="pl-PL" sz="2000" baseline="-25000" dirty="0"/>
-              <a:t>2</a:t>
-            </a:r>
-            <a:r>
-              <a:rPr lang="en-US" sz="2000" dirty="0"/>
-              <a:t>	</a:t>
-            </a:r>
-            <a:r>
-              <a:rPr lang="pl-PL" sz="2000" i="1" dirty="0"/>
-              <a:t>w</a:t>
-            </a:r>
-            <a:r>
-              <a:rPr lang="pl-PL" sz="2000" baseline="-25000" dirty="0"/>
-              <a:t>3</a:t>
-            </a:r>
-            <a:r>
-              <a:rPr lang="pl-PL" sz="2000" dirty="0"/>
-              <a:t>: </a:t>
-            </a:r>
-            <a:r>
-              <a:rPr lang="pl-PL" sz="2000" i="1" dirty="0"/>
-              <a:t>u</a:t>
-            </a:r>
-            <a:r>
-              <a:rPr lang="pl-PL" sz="2000" baseline="-25000" dirty="0"/>
-              <a:t>4</a:t>
-            </a:r>
-            <a:r>
-              <a:rPr lang="pl-PL" sz="2000" dirty="0"/>
-              <a:t> &gt; </a:t>
-            </a:r>
-            <a:r>
-              <a:rPr lang="pl-PL" sz="2000" i="1" dirty="0"/>
-              <a:t>u</a:t>
-            </a:r>
-            <a:r>
-              <a:rPr lang="pl-PL" sz="2000" baseline="-25000" dirty="0"/>
-              <a:t>2</a:t>
-            </a:r>
-            <a:r>
-              <a:rPr lang="pl-PL" sz="2000" dirty="0"/>
-              <a:t> &gt; </a:t>
-            </a:r>
-            <a:r>
-              <a:rPr lang="pl-PL" sz="2000" i="1" dirty="0"/>
-              <a:t>u</a:t>
-            </a:r>
-            <a:r>
-              <a:rPr lang="pl-PL" sz="2000" baseline="-25000" dirty="0"/>
-              <a:t>3</a:t>
-            </a:r>
-            <a:r>
-              <a:rPr lang="pl-PL" sz="2000" dirty="0"/>
-              <a:t> &gt; </a:t>
-            </a:r>
-            <a:r>
-              <a:rPr lang="pl-PL" sz="2000" i="1" dirty="0"/>
-              <a:t>u</a:t>
-            </a:r>
-            <a:r>
-              <a:rPr lang="pl-PL" sz="2000" baseline="-25000" dirty="0"/>
-              <a:t>1</a:t>
-            </a:r>
-          </a:p>
-          <a:p>
-            <a:pPr marL="0" indent="0" algn="ctr">
-              <a:buNone/>
-            </a:pPr>
-            <a:r>
-              <a:rPr lang="pl-PL" sz="2000" i="1" dirty="0"/>
-              <a:t>u</a:t>
-            </a:r>
-            <a:r>
-              <a:rPr lang="pl-PL" sz="2000" baseline="-25000" dirty="0"/>
-              <a:t>4</a:t>
-            </a:r>
-            <a:r>
-              <a:rPr lang="pl-PL" sz="2000" dirty="0"/>
-              <a:t>: </a:t>
-            </a:r>
-            <a:r>
-              <a:rPr lang="pl-PL" sz="2000" i="1" dirty="0"/>
-              <a:t>w</a:t>
-            </a:r>
-            <a:r>
-              <a:rPr lang="pl-PL" sz="2000" baseline="-25000" dirty="0"/>
-              <a:t>2</a:t>
-            </a:r>
-            <a:r>
-              <a:rPr lang="pl-PL" sz="2000" dirty="0"/>
-              <a:t> &gt; </a:t>
-            </a:r>
-            <a:r>
-              <a:rPr lang="pl-PL" sz="2000" i="1" dirty="0"/>
-              <a:t>w</a:t>
-            </a:r>
-            <a:r>
-              <a:rPr lang="pl-PL" sz="2000" baseline="-25000" dirty="0"/>
-              <a:t>3</a:t>
-            </a:r>
-            <a:r>
-              <a:rPr lang="pl-PL" sz="2000" dirty="0"/>
-              <a:t> &gt; </a:t>
-            </a:r>
-            <a:r>
-              <a:rPr lang="pl-PL" sz="2000" i="1" dirty="0"/>
-              <a:t>w</a:t>
-            </a:r>
-            <a:r>
-              <a:rPr lang="pl-PL" sz="2000" baseline="-25000" dirty="0"/>
-              <a:t>4</a:t>
-            </a:r>
-            <a:r>
-              <a:rPr lang="pl-PL" sz="2000" dirty="0"/>
-              <a:t> &gt; </a:t>
-            </a:r>
-            <a:r>
-              <a:rPr lang="pl-PL" sz="2000" i="1" dirty="0"/>
-              <a:t>w</a:t>
-            </a:r>
-            <a:r>
-              <a:rPr lang="pl-PL" sz="2000" baseline="-25000" dirty="0"/>
-              <a:t>1</a:t>
-            </a:r>
-            <a:r>
-              <a:rPr lang="en-US" sz="2000" dirty="0"/>
-              <a:t>	</a:t>
-            </a:r>
-            <a:r>
-              <a:rPr lang="pl-PL" sz="2000" i="1" dirty="0"/>
-              <a:t>w</a:t>
-            </a:r>
-            <a:r>
-              <a:rPr lang="pl-PL" sz="2000" baseline="-25000" dirty="0"/>
-              <a:t>4</a:t>
-            </a:r>
-            <a:r>
-              <a:rPr lang="pl-PL" sz="2000" dirty="0"/>
-              <a:t>: </a:t>
-            </a:r>
-            <a:r>
-              <a:rPr lang="pl-PL" sz="2000" i="1" dirty="0"/>
-              <a:t>u</a:t>
-            </a:r>
-            <a:r>
-              <a:rPr lang="pl-PL" sz="2000" baseline="-25000" dirty="0"/>
-              <a:t>2</a:t>
-            </a:r>
-            <a:r>
-              <a:rPr lang="pl-PL" sz="2000" dirty="0"/>
-              <a:t> &gt; </a:t>
-            </a:r>
-            <a:r>
-              <a:rPr lang="pl-PL" sz="2000" i="1" dirty="0"/>
-              <a:t>u</a:t>
-            </a:r>
-            <a:r>
-              <a:rPr lang="pl-PL" sz="2000" baseline="-25000" dirty="0"/>
-              <a:t>1</a:t>
-            </a:r>
-            <a:r>
-              <a:rPr lang="pl-PL" sz="2000" dirty="0"/>
-              <a:t> &gt; </a:t>
-            </a:r>
-            <a:r>
-              <a:rPr lang="pl-PL" sz="2000" i="1" dirty="0"/>
-              <a:t>u</a:t>
-            </a:r>
-            <a:r>
-              <a:rPr lang="pl-PL" sz="2000" baseline="-25000" dirty="0"/>
-              <a:t>3</a:t>
-            </a:r>
-            <a:r>
-              <a:rPr lang="pl-PL" sz="2000" dirty="0"/>
-              <a:t> &gt; </a:t>
-            </a:r>
-            <a:r>
-              <a:rPr lang="pl-PL" sz="2000" i="1" dirty="0"/>
-              <a:t>u</a:t>
-            </a:r>
-            <a:r>
-              <a:rPr lang="pl-PL" sz="2000" baseline="-25000" dirty="0"/>
-              <a:t>4</a:t>
-            </a:r>
-            <a:endParaRPr lang="en-US" sz="2000" baseline="-25000" dirty="0"/>
-          </a:p>
-          <a:p>
-            <a:pPr marL="744538" indent="0">
-              <a:buNone/>
-            </a:pPr>
-            <a:r>
-              <a:rPr lang="en-US" sz="2000" dirty="0"/>
-              <a:t>then we can see the matching </a:t>
-            </a:r>
-            <a:r>
-              <a:rPr lang="pl-PL" sz="2000" dirty="0"/>
-              <a:t>(</a:t>
-            </a:r>
-            <a:r>
-              <a:rPr lang="pl-PL" sz="2000" i="1" dirty="0"/>
-              <a:t>u</a:t>
-            </a:r>
-            <a:r>
-              <a:rPr lang="pl-PL" sz="2000" baseline="-25000" dirty="0"/>
-              <a:t>1</a:t>
-            </a:r>
-            <a:r>
-              <a:rPr lang="pl-PL" sz="2000" dirty="0"/>
-              <a:t>, </a:t>
-            </a:r>
-            <a:r>
-              <a:rPr lang="pl-PL" sz="2000" i="1" dirty="0"/>
-              <a:t>w</a:t>
-            </a:r>
-            <a:r>
-              <a:rPr lang="pl-PL" sz="2000" baseline="-25000" dirty="0"/>
-              <a:t>1</a:t>
-            </a:r>
-            <a:r>
-              <a:rPr lang="pl-PL" sz="2000" dirty="0"/>
-              <a:t>), (</a:t>
-            </a:r>
-            <a:r>
-              <a:rPr lang="pl-PL" sz="2000" i="1" dirty="0"/>
-              <a:t>u</a:t>
-            </a:r>
-            <a:r>
-              <a:rPr lang="pl-PL" sz="2000" baseline="-25000" dirty="0"/>
-              <a:t>2</a:t>
-            </a:r>
-            <a:r>
-              <a:rPr lang="pl-PL" sz="2000" dirty="0"/>
-              <a:t>, </a:t>
-            </a:r>
-            <a:r>
-              <a:rPr lang="pl-PL" sz="2000" i="1" dirty="0"/>
-              <a:t>w</a:t>
-            </a:r>
-            <a:r>
-              <a:rPr lang="pl-PL" sz="2000" baseline="-25000" dirty="0"/>
-              <a:t>2</a:t>
-            </a:r>
-            <a:r>
-              <a:rPr lang="pl-PL" sz="2000" dirty="0"/>
-              <a:t>), (</a:t>
-            </a:r>
-            <a:r>
-              <a:rPr lang="pl-PL" sz="2000" i="1" dirty="0"/>
-              <a:t>u</a:t>
-            </a:r>
-            <a:r>
-              <a:rPr lang="pl-PL" sz="2000" baseline="-25000" dirty="0"/>
-              <a:t>3</a:t>
-            </a:r>
-            <a:r>
-              <a:rPr lang="pl-PL" sz="2000" dirty="0"/>
-              <a:t>, </a:t>
-            </a:r>
-            <a:r>
-              <a:rPr lang="pl-PL" sz="2000" i="1" dirty="0"/>
-              <a:t>w</a:t>
-            </a:r>
-            <a:r>
-              <a:rPr lang="pl-PL" sz="2000" baseline="-25000" dirty="0"/>
-              <a:t>4</a:t>
-            </a:r>
-            <a:r>
-              <a:rPr lang="pl-PL" sz="2000" dirty="0"/>
-              <a:t>), (</a:t>
-            </a:r>
-            <a:r>
-              <a:rPr lang="pl-PL" sz="2000" i="1" dirty="0"/>
-              <a:t>u</a:t>
-            </a:r>
-            <a:r>
-              <a:rPr lang="pl-PL" sz="2000" baseline="-25000" dirty="0"/>
-              <a:t>4</a:t>
-            </a:r>
-            <a:r>
-              <a:rPr lang="pl-PL" sz="2000" dirty="0"/>
-              <a:t>, </a:t>
-            </a:r>
-            <a:r>
-              <a:rPr lang="pl-PL" sz="2000" i="1" dirty="0"/>
-              <a:t>w</a:t>
-            </a:r>
-            <a:r>
-              <a:rPr lang="pl-PL" sz="2000" baseline="-25000" dirty="0"/>
-              <a:t>3</a:t>
-            </a:r>
-            <a:r>
-              <a:rPr lang="pl-PL" sz="2000" dirty="0"/>
-              <a:t>)</a:t>
-            </a:r>
-            <a:r>
-              <a:rPr lang="en-US" sz="2000" dirty="0"/>
-              <a:t> is unstable because </a:t>
-            </a:r>
-            <a:r>
-              <a:rPr lang="en-US" sz="2000" i="1" dirty="0"/>
-              <a:t>u</a:t>
-            </a:r>
-            <a:r>
-              <a:rPr lang="en-US" sz="2000" baseline="-25000" dirty="0"/>
-              <a:t>1</a:t>
-            </a:r>
-            <a:r>
-              <a:rPr lang="en-US" sz="2000" dirty="0"/>
-              <a:t> and </a:t>
-            </a:r>
-            <a:r>
-              <a:rPr lang="en-US" sz="2000" i="1" dirty="0"/>
-              <a:t>w</a:t>
-            </a:r>
-            <a:r>
-              <a:rPr lang="en-US" sz="2000" baseline="-25000" dirty="0"/>
-              <a:t>2</a:t>
-            </a:r>
-            <a:r>
-              <a:rPr lang="en-US" sz="2000" dirty="0"/>
-              <a:t> prefer each other over the current match</a:t>
-            </a:r>
+              <a:rPr lang="en-US" i="1" dirty="0" smtClean="0"/>
+              <a:t>W</a:t>
+            </a:r>
+            <a:endParaRPr lang="en-US" dirty="0" smtClean="0"/>
           </a:p>
           <a:p>
             <a:pPr lvl="1"/>
             <a:r>
               <a:rPr lang="en-US" dirty="0" smtClean="0"/>
-              <a:t>David Gayle and Lloyd Shapley Designed a matching algorithm in 1962, and also showed that a stable matching always exists</a:t>
-            </a:r>
+              <a:t>The elements of </a:t>
+            </a:r>
+            <a:r>
+              <a:rPr lang="en-US" i="1" dirty="0" smtClean="0"/>
+              <a:t>U</a:t>
+            </a:r>
+            <a:r>
+              <a:rPr lang="en-US" dirty="0" smtClean="0"/>
+              <a:t> have a ranking list of elements of </a:t>
+            </a:r>
+            <a:r>
+              <a:rPr lang="en-US" i="1" dirty="0" smtClean="0"/>
+              <a:t>W</a:t>
+            </a:r>
+            <a:r>
+              <a:rPr lang="en-US" dirty="0" smtClean="0"/>
+              <a:t>, and those of </a:t>
+            </a:r>
+            <a:r>
+              <a:rPr lang="en-US" i="1" dirty="0" smtClean="0"/>
+              <a:t>W</a:t>
+            </a:r>
+            <a:r>
+              <a:rPr lang="en-US" dirty="0" smtClean="0"/>
+              <a:t> have a preference list of elements of </a:t>
+            </a:r>
+            <a:r>
+              <a:rPr lang="en-US" i="1" dirty="0" smtClean="0"/>
+              <a:t>U</a:t>
+            </a:r>
+            <a:endParaRPr lang="en-US" dirty="0" smtClean="0"/>
           </a:p>
           <a:p>
             <a:pPr lvl="1"/>
             <a:r>
               <a:rPr lang="en-US" dirty="0" smtClean="0"/>
-              <a:t>This algorithm is shown in page 444, together with a discussion of its application to the sets and table above</a:t>
+              <a:t>The ideal matching is to place elements with their highest preference, but because of possible conflicts, a stable matching is sought</a:t>
             </a:r>
           </a:p>
           <a:p>
             <a:pPr lvl="1"/>
-            <a:endParaRPr lang="en-US" dirty="0" smtClean="0"/>
+            <a:r>
+              <a:rPr lang="en-US" dirty="0" smtClean="0"/>
+              <a:t>A matching is </a:t>
+            </a:r>
+            <a:r>
+              <a:rPr lang="en-US" b="1" i="1" dirty="0" smtClean="0"/>
+              <a:t>unstable</a:t>
+            </a:r>
+            <a:r>
+              <a:rPr lang="en-US" dirty="0" smtClean="0"/>
+              <a:t> is two elements rank each other higher than those with which they are currently matched; otherwise it is </a:t>
+            </a:r>
+            <a:r>
+              <a:rPr lang="en-US" b="1" i="1" dirty="0" smtClean="0"/>
+              <a:t>stable</a:t>
+            </a:r>
+            <a:endParaRPr lang="en-US" b="1" i="1" dirty="0"/>
           </a:p>
         </p:txBody>
       </p:sp>
@@ -4431,7 +3682,7 @@
     </p:spTree>
     <p:extLst>
       <p:ext uri="{BB962C8B-B14F-4D97-AF65-F5344CB8AC3E}">
-        <p14:creationId xmlns:p14="http://schemas.microsoft.com/office/powerpoint/2010/main" val="2832011688"/>
+        <p14:creationId xmlns:p14="http://schemas.microsoft.com/office/powerpoint/2010/main" val="3693761901"/>
       </p:ext>
     </p:extLst>
   </p:cSld>
@@ -4501,71 +3752,787 @@
           <a:p>
             <a:r>
               <a:rPr lang="en-US" dirty="0"/>
-              <a:t>Stable Matching Problem (continued</a:t>
-            </a:r>
-            <a:r>
-              <a:rPr lang="en-US" dirty="0" smtClean="0"/>
+              <a:t>Stable Matching </a:t>
+            </a:r>
+            <a:r>
+              <a:rPr lang="en-US" dirty="0" smtClean="0"/>
+              <a:t>Problem</a:t>
+            </a:r>
+            <a:r>
+              <a:rPr lang="en-US" dirty="0"/>
+              <a:t> </a:t>
+            </a:r>
+            <a:r>
+              <a:rPr lang="en-US" dirty="0" smtClean="0"/>
+              <a:t>(continued)</a:t>
+            </a:r>
+          </a:p>
+          <a:p>
+            <a:pPr lvl="1"/>
+            <a:r>
+              <a:rPr lang="en-US" dirty="0" smtClean="0"/>
+              <a:t>If we consider the two sets </a:t>
+            </a:r>
+            <a:r>
+              <a:rPr lang="pl-PL" i="1" dirty="0"/>
+              <a:t>U </a:t>
+            </a:r>
+            <a:r>
+              <a:rPr lang="pl-PL" dirty="0"/>
+              <a:t>= {</a:t>
+            </a:r>
+            <a:r>
+              <a:rPr lang="pl-PL" i="1" dirty="0"/>
+              <a:t>u</a:t>
+            </a:r>
+            <a:r>
+              <a:rPr lang="pl-PL" baseline="-25000" dirty="0"/>
+              <a:t>1</a:t>
+            </a:r>
+            <a:r>
+              <a:rPr lang="pl-PL" dirty="0"/>
+              <a:t>, </a:t>
+            </a:r>
+            <a:r>
+              <a:rPr lang="pl-PL" i="1" dirty="0"/>
+              <a:t>u</a:t>
+            </a:r>
+            <a:r>
+              <a:rPr lang="pl-PL" baseline="-25000" dirty="0"/>
+              <a:t>2</a:t>
+            </a:r>
+            <a:r>
+              <a:rPr lang="pl-PL" dirty="0"/>
+              <a:t>, </a:t>
+            </a:r>
+            <a:r>
+              <a:rPr lang="pl-PL" i="1" dirty="0"/>
+              <a:t>u</a:t>
+            </a:r>
+            <a:r>
+              <a:rPr lang="pl-PL" baseline="-25000" dirty="0"/>
+              <a:t>3</a:t>
+            </a:r>
+            <a:r>
+              <a:rPr lang="pl-PL" dirty="0"/>
+              <a:t>, </a:t>
+            </a:r>
+            <a:r>
+              <a:rPr lang="pl-PL" i="1" dirty="0"/>
+              <a:t>u</a:t>
+            </a:r>
+            <a:r>
+              <a:rPr lang="pl-PL" baseline="-25000" dirty="0"/>
+              <a:t>4</a:t>
+            </a:r>
+            <a:r>
+              <a:rPr lang="pl-PL" dirty="0" smtClean="0"/>
+              <a:t>}</a:t>
+            </a:r>
+            <a:r>
+              <a:rPr lang="en-US" dirty="0" smtClean="0"/>
+              <a:t> and </a:t>
+            </a:r>
+            <a:r>
+              <a:rPr lang="pl-PL" i="1" dirty="0"/>
+              <a:t>W </a:t>
+            </a:r>
+            <a:r>
+              <a:rPr lang="pl-PL" dirty="0"/>
+              <a:t>= {</a:t>
+            </a:r>
+            <a:r>
+              <a:rPr lang="pl-PL" i="1" dirty="0"/>
+              <a:t>w</a:t>
+            </a:r>
+            <a:r>
+              <a:rPr lang="pl-PL" baseline="-25000" dirty="0"/>
+              <a:t>1</a:t>
+            </a:r>
+            <a:r>
+              <a:rPr lang="pl-PL" dirty="0"/>
+              <a:t>, </a:t>
+            </a:r>
+            <a:r>
+              <a:rPr lang="pl-PL" i="1" dirty="0"/>
+              <a:t>w</a:t>
+            </a:r>
+            <a:r>
+              <a:rPr lang="pl-PL" baseline="-25000" dirty="0"/>
+              <a:t>2</a:t>
+            </a:r>
+            <a:r>
+              <a:rPr lang="pl-PL" dirty="0"/>
+              <a:t>, </a:t>
+            </a:r>
+            <a:r>
+              <a:rPr lang="pl-PL" i="1" dirty="0"/>
+              <a:t>w</a:t>
+            </a:r>
+            <a:r>
+              <a:rPr lang="pl-PL" baseline="-25000" dirty="0"/>
+              <a:t>3</a:t>
+            </a:r>
+            <a:r>
+              <a:rPr lang="pl-PL" dirty="0"/>
+              <a:t>, </a:t>
+            </a:r>
+            <a:r>
+              <a:rPr lang="pl-PL" i="1" dirty="0"/>
+              <a:t>w</a:t>
+            </a:r>
+            <a:r>
+              <a:rPr lang="pl-PL" baseline="-25000" dirty="0"/>
+              <a:t>4</a:t>
+            </a:r>
+            <a:r>
+              <a:rPr lang="pl-PL" dirty="0" smtClean="0"/>
+              <a:t>}</a:t>
+            </a:r>
+            <a:r>
+              <a:rPr lang="en-US" dirty="0" smtClean="0"/>
+              <a:t>, and the following ranking lists:</a:t>
+            </a:r>
+          </a:p>
+          <a:p>
+            <a:pPr marL="0" indent="0" algn="ctr">
+              <a:buNone/>
+            </a:pPr>
+            <a:r>
+              <a:rPr lang="pl-PL" sz="2000" i="1" dirty="0"/>
+              <a:t>u</a:t>
+            </a:r>
+            <a:r>
+              <a:rPr lang="pl-PL" sz="2000" baseline="-25000" dirty="0"/>
+              <a:t>1</a:t>
+            </a:r>
+            <a:r>
+              <a:rPr lang="pl-PL" sz="2000" dirty="0"/>
+              <a:t>: </a:t>
+            </a:r>
+            <a:r>
+              <a:rPr lang="pl-PL" sz="2000" i="1" dirty="0"/>
+              <a:t>w</a:t>
+            </a:r>
+            <a:r>
+              <a:rPr lang="pl-PL" sz="2000" baseline="-25000" dirty="0"/>
+              <a:t>2</a:t>
+            </a:r>
+            <a:r>
+              <a:rPr lang="pl-PL" sz="2000" dirty="0"/>
+              <a:t> &gt; </a:t>
+            </a:r>
+            <a:r>
+              <a:rPr lang="pl-PL" sz="2000" i="1" dirty="0"/>
+              <a:t>w</a:t>
+            </a:r>
+            <a:r>
+              <a:rPr lang="pl-PL" sz="2000" baseline="-25000" dirty="0"/>
+              <a:t>1</a:t>
+            </a:r>
+            <a:r>
+              <a:rPr lang="pl-PL" sz="2000" dirty="0"/>
+              <a:t> &gt; </a:t>
+            </a:r>
+            <a:r>
+              <a:rPr lang="pl-PL" sz="2000" i="1" dirty="0"/>
+              <a:t>w</a:t>
+            </a:r>
+            <a:r>
+              <a:rPr lang="pl-PL" sz="2000" baseline="-25000" dirty="0"/>
+              <a:t>3</a:t>
+            </a:r>
+            <a:r>
+              <a:rPr lang="pl-PL" sz="2000" dirty="0"/>
+              <a:t> &gt; </a:t>
+            </a:r>
+            <a:r>
+              <a:rPr lang="pl-PL" sz="2000" i="1" dirty="0"/>
+              <a:t>w</a:t>
+            </a:r>
+            <a:r>
+              <a:rPr lang="pl-PL" sz="2000" baseline="-25000" dirty="0"/>
+              <a:t>4</a:t>
+            </a:r>
+            <a:r>
+              <a:rPr lang="en-US" sz="2000" dirty="0"/>
+              <a:t>	</a:t>
+            </a:r>
+            <a:r>
+              <a:rPr lang="pl-PL" sz="2000" i="1" dirty="0"/>
+              <a:t>w</a:t>
+            </a:r>
+            <a:r>
+              <a:rPr lang="pl-PL" sz="2000" baseline="-25000" dirty="0"/>
+              <a:t>1</a:t>
+            </a:r>
+            <a:r>
+              <a:rPr lang="pl-PL" sz="2000" dirty="0"/>
+              <a:t>: </a:t>
+            </a:r>
+            <a:r>
+              <a:rPr lang="pl-PL" sz="2000" i="1" dirty="0"/>
+              <a:t>u</a:t>
+            </a:r>
+            <a:r>
+              <a:rPr lang="pl-PL" sz="2000" baseline="-25000" dirty="0"/>
+              <a:t>3</a:t>
+            </a:r>
+            <a:r>
+              <a:rPr lang="pl-PL" sz="2000" dirty="0"/>
+              <a:t> &gt; </a:t>
+            </a:r>
+            <a:r>
+              <a:rPr lang="pl-PL" sz="2000" i="1" dirty="0"/>
+              <a:t>u</a:t>
+            </a:r>
+            <a:r>
+              <a:rPr lang="pl-PL" sz="2000" baseline="-25000" dirty="0"/>
+              <a:t>2</a:t>
+            </a:r>
+            <a:r>
+              <a:rPr lang="pl-PL" sz="2000" dirty="0"/>
+              <a:t> &gt; </a:t>
+            </a:r>
+            <a:r>
+              <a:rPr lang="pl-PL" sz="2000" i="1" dirty="0"/>
+              <a:t>u</a:t>
+            </a:r>
+            <a:r>
+              <a:rPr lang="pl-PL" sz="2000" baseline="-25000" dirty="0"/>
+              <a:t>1</a:t>
+            </a:r>
+            <a:r>
+              <a:rPr lang="pl-PL" sz="2000" dirty="0"/>
+              <a:t> &gt; </a:t>
+            </a:r>
+            <a:r>
+              <a:rPr lang="pl-PL" sz="2000" i="1" dirty="0"/>
+              <a:t>u</a:t>
+            </a:r>
+            <a:r>
+              <a:rPr lang="pl-PL" sz="2000" baseline="-25000" dirty="0"/>
+              <a:t>4</a:t>
+            </a:r>
+          </a:p>
+          <a:p>
+            <a:pPr marL="0" indent="0" algn="ctr">
+              <a:buNone/>
+            </a:pPr>
+            <a:r>
+              <a:rPr lang="pl-PL" sz="2000" i="1" dirty="0"/>
+              <a:t>u</a:t>
+            </a:r>
+            <a:r>
+              <a:rPr lang="pl-PL" sz="2000" baseline="-25000" dirty="0"/>
+              <a:t>2</a:t>
+            </a:r>
+            <a:r>
+              <a:rPr lang="pl-PL" sz="2000" dirty="0"/>
+              <a:t>: </a:t>
+            </a:r>
+            <a:r>
+              <a:rPr lang="pl-PL" sz="2000" i="1" dirty="0"/>
+              <a:t>w</a:t>
+            </a:r>
+            <a:r>
+              <a:rPr lang="pl-PL" sz="2000" baseline="-25000" dirty="0"/>
+              <a:t>3</a:t>
+            </a:r>
+            <a:r>
+              <a:rPr lang="pl-PL" sz="2000" dirty="0"/>
+              <a:t> &gt; </a:t>
+            </a:r>
+            <a:r>
+              <a:rPr lang="pl-PL" sz="2000" i="1" dirty="0"/>
+              <a:t>w</a:t>
+            </a:r>
+            <a:r>
+              <a:rPr lang="pl-PL" sz="2000" baseline="-25000" dirty="0"/>
+              <a:t>2</a:t>
+            </a:r>
+            <a:r>
+              <a:rPr lang="pl-PL" sz="2000" dirty="0"/>
+              <a:t> &gt; </a:t>
+            </a:r>
+            <a:r>
+              <a:rPr lang="pl-PL" sz="2000" i="1" dirty="0"/>
+              <a:t>w</a:t>
+            </a:r>
+            <a:r>
+              <a:rPr lang="pl-PL" sz="2000" baseline="-25000" dirty="0"/>
+              <a:t>1</a:t>
+            </a:r>
+            <a:r>
+              <a:rPr lang="pl-PL" sz="2000" dirty="0"/>
+              <a:t> &gt; </a:t>
+            </a:r>
+            <a:r>
+              <a:rPr lang="pl-PL" sz="2000" i="1" dirty="0"/>
+              <a:t>w</a:t>
+            </a:r>
+            <a:r>
+              <a:rPr lang="pl-PL" sz="2000" baseline="-25000" dirty="0"/>
+              <a:t>4</a:t>
+            </a:r>
+            <a:r>
+              <a:rPr lang="en-US" sz="2000" dirty="0"/>
+              <a:t>	</a:t>
+            </a:r>
+            <a:r>
+              <a:rPr lang="pl-PL" sz="2000" i="1" dirty="0"/>
+              <a:t>w</a:t>
+            </a:r>
+            <a:r>
+              <a:rPr lang="pl-PL" sz="2000" baseline="-25000" dirty="0"/>
+              <a:t>2</a:t>
+            </a:r>
+            <a:r>
+              <a:rPr lang="pl-PL" sz="2000" dirty="0"/>
+              <a:t>: </a:t>
+            </a:r>
+            <a:r>
+              <a:rPr lang="pl-PL" sz="2000" i="1" dirty="0"/>
+              <a:t>u</a:t>
+            </a:r>
+            <a:r>
+              <a:rPr lang="pl-PL" sz="2000" baseline="-25000" dirty="0"/>
+              <a:t>1</a:t>
+            </a:r>
+            <a:r>
+              <a:rPr lang="pl-PL" sz="2000" dirty="0"/>
+              <a:t> &gt; </a:t>
+            </a:r>
+            <a:r>
+              <a:rPr lang="pl-PL" sz="2000" i="1" dirty="0"/>
+              <a:t>u</a:t>
+            </a:r>
+            <a:r>
+              <a:rPr lang="pl-PL" sz="2000" baseline="-25000" dirty="0"/>
+              <a:t>3</a:t>
+            </a:r>
+            <a:r>
+              <a:rPr lang="pl-PL" sz="2000" dirty="0"/>
+              <a:t> &gt; </a:t>
+            </a:r>
+            <a:r>
+              <a:rPr lang="pl-PL" sz="2000" i="1" dirty="0"/>
+              <a:t>u</a:t>
+            </a:r>
+            <a:r>
+              <a:rPr lang="pl-PL" sz="2000" baseline="-25000" dirty="0"/>
+              <a:t>4</a:t>
+            </a:r>
+            <a:r>
+              <a:rPr lang="pl-PL" sz="2000" dirty="0"/>
+              <a:t> &gt; </a:t>
+            </a:r>
+            <a:r>
+              <a:rPr lang="pl-PL" sz="2000" i="1" dirty="0"/>
+              <a:t>u</a:t>
+            </a:r>
+            <a:r>
+              <a:rPr lang="pl-PL" sz="2000" baseline="-25000" dirty="0"/>
+              <a:t>2</a:t>
+            </a:r>
+          </a:p>
+          <a:p>
+            <a:pPr marL="0" indent="0" algn="ctr">
+              <a:buNone/>
+            </a:pPr>
+            <a:r>
+              <a:rPr lang="pl-PL" sz="2000" i="1" dirty="0"/>
+              <a:t>u</a:t>
+            </a:r>
+            <a:r>
+              <a:rPr lang="pl-PL" sz="2000" baseline="-25000" dirty="0"/>
+              <a:t>3</a:t>
+            </a:r>
+            <a:r>
+              <a:rPr lang="pl-PL" sz="2000" dirty="0"/>
+              <a:t>: </a:t>
+            </a:r>
+            <a:r>
+              <a:rPr lang="pl-PL" sz="2000" i="1" dirty="0"/>
+              <a:t>w</a:t>
+            </a:r>
+            <a:r>
+              <a:rPr lang="pl-PL" sz="2000" baseline="-25000" dirty="0"/>
+              <a:t>3</a:t>
+            </a:r>
+            <a:r>
+              <a:rPr lang="pl-PL" sz="2000" dirty="0"/>
+              <a:t> &gt; </a:t>
+            </a:r>
+            <a:r>
+              <a:rPr lang="pl-PL" sz="2000" i="1" dirty="0"/>
+              <a:t>w</a:t>
+            </a:r>
+            <a:r>
+              <a:rPr lang="pl-PL" sz="2000" baseline="-25000" dirty="0"/>
+              <a:t>4</a:t>
+            </a:r>
+            <a:r>
+              <a:rPr lang="pl-PL" sz="2000" dirty="0"/>
+              <a:t> &gt; </a:t>
+            </a:r>
+            <a:r>
+              <a:rPr lang="pl-PL" sz="2000" i="1" dirty="0"/>
+              <a:t>w</a:t>
+            </a:r>
+            <a:r>
+              <a:rPr lang="pl-PL" sz="2000" baseline="-25000" dirty="0"/>
+              <a:t>1</a:t>
+            </a:r>
+            <a:r>
+              <a:rPr lang="pl-PL" sz="2000" dirty="0"/>
+              <a:t> &gt; </a:t>
+            </a:r>
+            <a:r>
+              <a:rPr lang="pl-PL" sz="2000" i="1" dirty="0"/>
+              <a:t>w</a:t>
+            </a:r>
+            <a:r>
+              <a:rPr lang="pl-PL" sz="2000" baseline="-25000" dirty="0"/>
+              <a:t>2</a:t>
+            </a:r>
+            <a:r>
+              <a:rPr lang="en-US" sz="2000" dirty="0"/>
+              <a:t>	</a:t>
+            </a:r>
+            <a:r>
+              <a:rPr lang="pl-PL" sz="2000" i="1" dirty="0"/>
+              <a:t>w</a:t>
+            </a:r>
+            <a:r>
+              <a:rPr lang="pl-PL" sz="2000" baseline="-25000" dirty="0"/>
+              <a:t>3</a:t>
+            </a:r>
+            <a:r>
+              <a:rPr lang="pl-PL" sz="2000" dirty="0"/>
+              <a:t>: </a:t>
+            </a:r>
+            <a:r>
+              <a:rPr lang="pl-PL" sz="2000" i="1" dirty="0"/>
+              <a:t>u</a:t>
+            </a:r>
+            <a:r>
+              <a:rPr lang="pl-PL" sz="2000" baseline="-25000" dirty="0"/>
+              <a:t>4</a:t>
+            </a:r>
+            <a:r>
+              <a:rPr lang="pl-PL" sz="2000" dirty="0"/>
+              <a:t> &gt; </a:t>
+            </a:r>
+            <a:r>
+              <a:rPr lang="pl-PL" sz="2000" i="1" dirty="0"/>
+              <a:t>u</a:t>
+            </a:r>
+            <a:r>
+              <a:rPr lang="pl-PL" sz="2000" baseline="-25000" dirty="0"/>
+              <a:t>2</a:t>
+            </a:r>
+            <a:r>
+              <a:rPr lang="pl-PL" sz="2000" dirty="0"/>
+              <a:t> &gt; </a:t>
+            </a:r>
+            <a:r>
+              <a:rPr lang="pl-PL" sz="2000" i="1" dirty="0"/>
+              <a:t>u</a:t>
+            </a:r>
+            <a:r>
+              <a:rPr lang="pl-PL" sz="2000" baseline="-25000" dirty="0"/>
+              <a:t>3</a:t>
+            </a:r>
+            <a:r>
+              <a:rPr lang="pl-PL" sz="2000" dirty="0"/>
+              <a:t> &gt; </a:t>
+            </a:r>
+            <a:r>
+              <a:rPr lang="pl-PL" sz="2000" i="1" dirty="0"/>
+              <a:t>u</a:t>
+            </a:r>
+            <a:r>
+              <a:rPr lang="pl-PL" sz="2000" baseline="-25000" dirty="0"/>
+              <a:t>1</a:t>
+            </a:r>
+          </a:p>
+          <a:p>
+            <a:pPr marL="0" indent="0" algn="ctr">
+              <a:buNone/>
+            </a:pPr>
+            <a:r>
+              <a:rPr lang="pl-PL" sz="2000" i="1" dirty="0"/>
+              <a:t>u</a:t>
+            </a:r>
+            <a:r>
+              <a:rPr lang="pl-PL" sz="2000" baseline="-25000" dirty="0"/>
+              <a:t>4</a:t>
+            </a:r>
+            <a:r>
+              <a:rPr lang="pl-PL" sz="2000" dirty="0"/>
+              <a:t>: </a:t>
+            </a:r>
+            <a:r>
+              <a:rPr lang="pl-PL" sz="2000" i="1" dirty="0"/>
+              <a:t>w</a:t>
+            </a:r>
+            <a:r>
+              <a:rPr lang="pl-PL" sz="2000" baseline="-25000" dirty="0"/>
+              <a:t>2</a:t>
+            </a:r>
+            <a:r>
+              <a:rPr lang="pl-PL" sz="2000" dirty="0"/>
+              <a:t> &gt; </a:t>
+            </a:r>
+            <a:r>
+              <a:rPr lang="pl-PL" sz="2000" i="1" dirty="0"/>
+              <a:t>w</a:t>
+            </a:r>
+            <a:r>
+              <a:rPr lang="pl-PL" sz="2000" baseline="-25000" dirty="0"/>
+              <a:t>3</a:t>
+            </a:r>
+            <a:r>
+              <a:rPr lang="pl-PL" sz="2000" dirty="0"/>
+              <a:t> &gt; </a:t>
+            </a:r>
+            <a:r>
+              <a:rPr lang="pl-PL" sz="2000" i="1" dirty="0"/>
+              <a:t>w</a:t>
+            </a:r>
+            <a:r>
+              <a:rPr lang="pl-PL" sz="2000" baseline="-25000" dirty="0"/>
+              <a:t>4</a:t>
+            </a:r>
+            <a:r>
+              <a:rPr lang="pl-PL" sz="2000" dirty="0"/>
+              <a:t> &gt; </a:t>
+            </a:r>
+            <a:r>
+              <a:rPr lang="pl-PL" sz="2000" i="1" dirty="0"/>
+              <a:t>w</a:t>
+            </a:r>
+            <a:r>
+              <a:rPr lang="pl-PL" sz="2000" baseline="-25000" dirty="0"/>
+              <a:t>1</a:t>
+            </a:r>
+            <a:r>
+              <a:rPr lang="en-US" sz="2000" dirty="0"/>
+              <a:t>	</a:t>
+            </a:r>
+            <a:r>
+              <a:rPr lang="pl-PL" sz="2000" i="1" dirty="0"/>
+              <a:t>w</a:t>
+            </a:r>
+            <a:r>
+              <a:rPr lang="pl-PL" sz="2000" baseline="-25000" dirty="0"/>
+              <a:t>4</a:t>
+            </a:r>
+            <a:r>
+              <a:rPr lang="pl-PL" sz="2000" dirty="0"/>
+              <a:t>: </a:t>
+            </a:r>
+            <a:r>
+              <a:rPr lang="pl-PL" sz="2000" i="1" dirty="0"/>
+              <a:t>u</a:t>
+            </a:r>
+            <a:r>
+              <a:rPr lang="pl-PL" sz="2000" baseline="-25000" dirty="0"/>
+              <a:t>2</a:t>
+            </a:r>
+            <a:r>
+              <a:rPr lang="pl-PL" sz="2000" dirty="0"/>
+              <a:t> &gt; </a:t>
+            </a:r>
+            <a:r>
+              <a:rPr lang="pl-PL" sz="2000" i="1" dirty="0"/>
+              <a:t>u</a:t>
+            </a:r>
+            <a:r>
+              <a:rPr lang="pl-PL" sz="2000" baseline="-25000" dirty="0"/>
+              <a:t>1</a:t>
+            </a:r>
+            <a:r>
+              <a:rPr lang="pl-PL" sz="2000" dirty="0"/>
+              <a:t> &gt; </a:t>
+            </a:r>
+            <a:r>
+              <a:rPr lang="pl-PL" sz="2000" i="1" dirty="0"/>
+              <a:t>u</a:t>
+            </a:r>
+            <a:r>
+              <a:rPr lang="pl-PL" sz="2000" baseline="-25000" dirty="0"/>
+              <a:t>3</a:t>
+            </a:r>
+            <a:r>
+              <a:rPr lang="pl-PL" sz="2000" dirty="0"/>
+              <a:t> &gt; </a:t>
+            </a:r>
+            <a:r>
+              <a:rPr lang="pl-PL" sz="2000" i="1" dirty="0"/>
+              <a:t>u</a:t>
+            </a:r>
+            <a:r>
+              <a:rPr lang="pl-PL" sz="2000" baseline="-25000" dirty="0"/>
+              <a:t>4</a:t>
+            </a:r>
+            <a:endParaRPr lang="en-US" sz="2000" baseline="-25000" dirty="0"/>
+          </a:p>
+          <a:p>
+            <a:pPr marL="744538" indent="0">
+              <a:buNone/>
+            </a:pPr>
+            <a:r>
+              <a:rPr lang="en-US" sz="2000" dirty="0"/>
+              <a:t>then we can see the matching </a:t>
+            </a:r>
+            <a:r>
+              <a:rPr lang="pl-PL" sz="2000" dirty="0"/>
+              <a:t>(</a:t>
+            </a:r>
+            <a:r>
+              <a:rPr lang="pl-PL" sz="2000" i="1" dirty="0"/>
+              <a:t>u</a:t>
+            </a:r>
+            <a:r>
+              <a:rPr lang="pl-PL" sz="2000" baseline="-25000" dirty="0"/>
+              <a:t>1</a:t>
+            </a:r>
+            <a:r>
+              <a:rPr lang="pl-PL" sz="2000" dirty="0"/>
+              <a:t>, </a:t>
+            </a:r>
+            <a:r>
+              <a:rPr lang="pl-PL" sz="2000" i="1" dirty="0"/>
+              <a:t>w</a:t>
+            </a:r>
+            <a:r>
+              <a:rPr lang="pl-PL" sz="2000" baseline="-25000" dirty="0"/>
+              <a:t>1</a:t>
+            </a:r>
+            <a:r>
+              <a:rPr lang="pl-PL" sz="2000" dirty="0"/>
+              <a:t>), (</a:t>
+            </a:r>
+            <a:r>
+              <a:rPr lang="pl-PL" sz="2000" i="1" dirty="0"/>
+              <a:t>u</a:t>
+            </a:r>
+            <a:r>
+              <a:rPr lang="pl-PL" sz="2000" baseline="-25000" dirty="0"/>
+              <a:t>2</a:t>
+            </a:r>
+            <a:r>
+              <a:rPr lang="pl-PL" sz="2000" dirty="0"/>
+              <a:t>, </a:t>
+            </a:r>
+            <a:r>
+              <a:rPr lang="pl-PL" sz="2000" i="1" dirty="0"/>
+              <a:t>w</a:t>
+            </a:r>
+            <a:r>
+              <a:rPr lang="pl-PL" sz="2000" baseline="-25000" dirty="0"/>
+              <a:t>2</a:t>
+            </a:r>
+            <a:r>
+              <a:rPr lang="pl-PL" sz="2000" dirty="0"/>
+              <a:t>), (</a:t>
+            </a:r>
+            <a:r>
+              <a:rPr lang="pl-PL" sz="2000" i="1" dirty="0"/>
+              <a:t>u</a:t>
+            </a:r>
+            <a:r>
+              <a:rPr lang="pl-PL" sz="2000" baseline="-25000" dirty="0"/>
+              <a:t>3</a:t>
+            </a:r>
+            <a:r>
+              <a:rPr lang="pl-PL" sz="2000" dirty="0"/>
+              <a:t>, </a:t>
+            </a:r>
+            <a:r>
+              <a:rPr lang="pl-PL" sz="2000" i="1" dirty="0"/>
+              <a:t>w</a:t>
+            </a:r>
+            <a:r>
+              <a:rPr lang="pl-PL" sz="2000" baseline="-25000" dirty="0"/>
+              <a:t>4</a:t>
+            </a:r>
+            <a:r>
+              <a:rPr lang="pl-PL" sz="2000" dirty="0"/>
+              <a:t>), (</a:t>
+            </a:r>
+            <a:r>
+              <a:rPr lang="pl-PL" sz="2000" i="1" dirty="0"/>
+              <a:t>u</a:t>
+            </a:r>
+            <a:r>
+              <a:rPr lang="pl-PL" sz="2000" baseline="-25000" dirty="0"/>
+              <a:t>4</a:t>
+            </a:r>
+            <a:r>
+              <a:rPr lang="pl-PL" sz="2000" dirty="0"/>
+              <a:t>, </a:t>
+            </a:r>
+            <a:r>
+              <a:rPr lang="pl-PL" sz="2000" i="1" dirty="0"/>
+              <a:t>w</a:t>
+            </a:r>
+            <a:r>
+              <a:rPr lang="pl-PL" sz="2000" baseline="-25000" dirty="0"/>
+              <a:t>3</a:t>
+            </a:r>
+            <a:r>
+              <a:rPr lang="pl-PL" sz="2000" dirty="0"/>
               <a:t>)</a:t>
             </a:r>
+            <a:r>
+              <a:rPr lang="en-US" sz="2000" dirty="0"/>
+              <a:t> is unstable because </a:t>
+            </a:r>
+            <a:r>
+              <a:rPr lang="en-US" sz="2000" i="1" dirty="0"/>
+              <a:t>u</a:t>
+            </a:r>
+            <a:r>
+              <a:rPr lang="en-US" sz="2000" baseline="-25000" dirty="0"/>
+              <a:t>1</a:t>
+            </a:r>
+            <a:r>
+              <a:rPr lang="en-US" sz="2000" dirty="0"/>
+              <a:t> and </a:t>
+            </a:r>
+            <a:r>
+              <a:rPr lang="en-US" sz="2000" i="1" dirty="0"/>
+              <a:t>w</a:t>
+            </a:r>
+            <a:r>
+              <a:rPr lang="en-US" sz="2000" baseline="-25000" dirty="0"/>
+              <a:t>2</a:t>
+            </a:r>
+            <a:r>
+              <a:rPr lang="en-US" sz="2000" dirty="0"/>
+              <a:t> prefer each other over the current match</a:t>
+            </a:r>
           </a:p>
           <a:p>
             <a:pPr lvl="1"/>
             <a:r>
               <a:rPr lang="en-US" dirty="0" smtClean="0"/>
-              <a:t>There is an asymmetry associated with the algorithm based on which rankings are considered more important</a:t>
+              <a:t>David Gayle and Lloyd Shapley Designed a matching algorithm in 1962, and also showed that a stable matching always exists</a:t>
             </a:r>
           </a:p>
           <a:p>
             <a:pPr lvl="1"/>
             <a:r>
               <a:rPr lang="en-US" dirty="0" smtClean="0"/>
-              <a:t>As given, the algorithm favors set </a:t>
-            </a:r>
-            <a:r>
-              <a:rPr lang="en-US" i="1" dirty="0" smtClean="0"/>
-              <a:t>U</a:t>
-            </a:r>
+              <a:t>This algorithm is shown in page 444, together with a discussion of its application to the sets and table above</a:t>
+            </a:r>
+          </a:p>
+          <a:p>
+            <a:pPr lvl="1"/>
             <a:endParaRPr lang="en-US" dirty="0" smtClean="0"/>
-          </a:p>
-          <a:p>
-            <a:pPr lvl="1"/>
-            <a:r>
-              <a:rPr lang="en-US" dirty="0" smtClean="0"/>
-              <a:t>If the roles of the two sets </a:t>
-            </a:r>
-            <a:r>
-              <a:rPr lang="en-US" i="1" dirty="0" smtClean="0"/>
-              <a:t>U</a:t>
-            </a:r>
-            <a:r>
-              <a:rPr lang="en-US" dirty="0" smtClean="0"/>
-              <a:t> and </a:t>
-            </a:r>
-            <a:r>
-              <a:rPr lang="en-US" i="1" dirty="0" smtClean="0"/>
-              <a:t>W</a:t>
-            </a:r>
-            <a:r>
-              <a:rPr lang="en-US" dirty="0" smtClean="0"/>
-              <a:t> are reversed, then the </a:t>
-            </a:r>
-            <a:r>
-              <a:rPr lang="en-US" i="1" dirty="0" smtClean="0"/>
-              <a:t>w’</a:t>
-            </a:r>
-            <a:r>
-              <a:rPr lang="en-US" dirty="0" smtClean="0"/>
-              <a:t>s will have their preferred choices immediately, instead of the </a:t>
-            </a:r>
-            <a:r>
-              <a:rPr lang="en-US" i="1" dirty="0" smtClean="0"/>
-              <a:t>u’</a:t>
-            </a:r>
-            <a:r>
-              <a:rPr lang="en-US" dirty="0" smtClean="0"/>
-              <a:t>s</a:t>
-            </a:r>
-            <a:endParaRPr lang="en-US" dirty="0"/>
           </a:p>
         </p:txBody>
       </p:sp>
@@ -4601,7 +4568,7 @@
     </p:spTree>
     <p:extLst>
       <p:ext uri="{BB962C8B-B14F-4D97-AF65-F5344CB8AC3E}">
-        <p14:creationId xmlns:p14="http://schemas.microsoft.com/office/powerpoint/2010/main" val="1525375171"/>
+        <p14:creationId xmlns:p14="http://schemas.microsoft.com/office/powerpoint/2010/main" val="2832011688"/>
       </p:ext>
     </p:extLst>
   </p:cSld>
@@ -4670,68 +4637,70 @@
           <a:lstStyle/>
           <a:p>
             <a:r>
-              <a:rPr lang="en-US" dirty="0" smtClean="0"/>
-              <a:t>Assignment Problem</a:t>
+              <a:rPr lang="en-US" dirty="0"/>
+              <a:t>Stable Matching Problem (continued</a:t>
+            </a:r>
+            <a:r>
+              <a:rPr lang="en-US" dirty="0" smtClean="0"/>
+              <a:t>)</a:t>
             </a:r>
           </a:p>
           <a:p>
             <a:pPr lvl="1"/>
             <a:r>
               <a:rPr lang="en-US" dirty="0" smtClean="0"/>
-              <a:t>Finding suitable matches becomes more difficult in a weighted graph</a:t>
+              <a:t>There is an asymmetry associated with the algorithm based on which rankings are considered more important</a:t>
             </a:r>
           </a:p>
           <a:p>
             <a:pPr lvl="1"/>
             <a:r>
               <a:rPr lang="en-US" dirty="0" smtClean="0"/>
-              <a:t>In these cases we want to find a matching with a maximum total weight</a:t>
-            </a:r>
+              <a:t>As given, the algorithm favors set </a:t>
+            </a:r>
+            <a:r>
+              <a:rPr lang="en-US" i="1" dirty="0" smtClean="0"/>
+              <a:t>U</a:t>
+            </a:r>
+            <a:endParaRPr lang="en-US" dirty="0" smtClean="0"/>
           </a:p>
           <a:p>
             <a:pPr lvl="1"/>
             <a:r>
               <a:rPr lang="en-US" dirty="0" smtClean="0"/>
-              <a:t>This is known as the </a:t>
-            </a:r>
-            <a:r>
-              <a:rPr lang="en-US" b="1" i="1" dirty="0" smtClean="0"/>
-              <a:t>assignment problem</a:t>
-            </a:r>
-            <a:endParaRPr lang="en-US" dirty="0" smtClean="0"/>
-          </a:p>
-          <a:p>
-            <a:pPr lvl="1"/>
-            <a:r>
-              <a:rPr lang="en-US" dirty="0" smtClean="0"/>
-              <a:t>If we consider complete bipartite graphs with two sets of vertices that are equal in size, then it is known as the </a:t>
-            </a:r>
-            <a:r>
-              <a:rPr lang="en-US" b="1" i="1" dirty="0" smtClean="0"/>
-              <a:t>optimal assignment problem</a:t>
-            </a:r>
-            <a:endParaRPr lang="en-US" dirty="0" smtClean="0"/>
-          </a:p>
-          <a:p>
-            <a:pPr lvl="1"/>
-            <a:r>
-              <a:rPr lang="en-US" dirty="0" smtClean="0"/>
-              <a:t>An algorithm known as the </a:t>
+              <a:t>If the roles of the two sets </a:t>
             </a:r>
             <a:r>
               <a:rPr lang="en-US" i="1" dirty="0" smtClean="0"/>
-              <a:t>Hungarian algorithm</a:t>
-            </a:r>
-            <a:r>
-              <a:rPr lang="en-US" dirty="0" smtClean="0"/>
-              <a:t> was developed by Harold Kuhn in 1955, and further investigated by James Munkres in 1957</a:t>
-            </a:r>
-          </a:p>
-          <a:p>
-            <a:pPr lvl="1"/>
-            <a:r>
-              <a:rPr lang="en-US" dirty="0" smtClean="0"/>
-              <a:t>Kuhn’s original name was in honor of the work done by Dénis Kõnig and Jenõ Egerváry on this problem in 1931</a:t>
+              <a:t>U</a:t>
+            </a:r>
+            <a:r>
+              <a:rPr lang="en-US" dirty="0" smtClean="0"/>
+              <a:t> and </a:t>
+            </a:r>
+            <a:r>
+              <a:rPr lang="en-US" i="1" dirty="0" smtClean="0"/>
+              <a:t>W</a:t>
+            </a:r>
+            <a:r>
+              <a:rPr lang="en-US" dirty="0" smtClean="0"/>
+              <a:t> are reversed, then the </a:t>
+            </a:r>
+            <a:r>
+              <a:rPr lang="en-US" i="1" dirty="0" smtClean="0"/>
+              <a:t>w’</a:t>
+            </a:r>
+            <a:r>
+              <a:rPr lang="en-US" dirty="0" smtClean="0"/>
+              <a:t>s will have their preferred choices immediately, instead of the </a:t>
+            </a:r>
+            <a:r>
+              <a:rPr lang="en-US" i="1" dirty="0" smtClean="0"/>
+              <a:t>u’</a:t>
+            </a:r>
+            <a:r>
+              <a:rPr lang="en-US" dirty="0" smtClean="0"/>
+              <a:t>s</a:t>
             </a:r>
             <a:endParaRPr lang="en-US" dirty="0"/>
           </a:p>
@@ -4769,7 +4738,7 @@
     </p:spTree>
     <p:extLst>
       <p:ext uri="{BB962C8B-B14F-4D97-AF65-F5344CB8AC3E}">
-        <p14:creationId xmlns:p14="http://schemas.microsoft.com/office/powerpoint/2010/main" val="1638059594"/>
+        <p14:creationId xmlns:p14="http://schemas.microsoft.com/office/powerpoint/2010/main" val="1525375171"/>
       </p:ext>
     </p:extLst>
   </p:cSld>
@@ -4839,22 +4808,69 @@
           <a:p>
             <a:r>
               <a:rPr lang="en-US" dirty="0" smtClean="0"/>
-              <a:t>Assignment Problem (continued)</a:t>
+              <a:t>Assignment Problem</a:t>
             </a:r>
           </a:p>
           <a:p>
             <a:pPr lvl="1"/>
             <a:r>
               <a:rPr lang="en-US" dirty="0" smtClean="0"/>
-              <a:t>The algorithm is shown on pages 445 and 446</a:t>
+              <a:t>Finding suitable matches becomes more difficult in a weighted graph</a:t>
             </a:r>
           </a:p>
           <a:p>
             <a:pPr lvl="1"/>
             <a:r>
               <a:rPr lang="en-US" dirty="0" smtClean="0"/>
-              <a:t>An example of its application is shown in Figure 8.31, together with a detailed treatment of its application on pages 446 and 447</a:t>
-            </a:r>
+              <a:t>In these cases we want to find a matching with a maximum total weight</a:t>
+            </a:r>
+          </a:p>
+          <a:p>
+            <a:pPr lvl="1"/>
+            <a:r>
+              <a:rPr lang="en-US" dirty="0" smtClean="0"/>
+              <a:t>This is known as the </a:t>
+            </a:r>
+            <a:r>
+              <a:rPr lang="en-US" b="1" i="1" dirty="0" smtClean="0"/>
+              <a:t>assignment problem</a:t>
+            </a:r>
+            <a:endParaRPr lang="en-US" dirty="0" smtClean="0"/>
+          </a:p>
+          <a:p>
+            <a:pPr lvl="1"/>
+            <a:r>
+              <a:rPr lang="en-US" dirty="0" smtClean="0"/>
+              <a:t>If we consider complete bipartite graphs with two sets of vertices that are equal in size, then it is known as the </a:t>
+            </a:r>
+            <a:r>
+              <a:rPr lang="en-US" b="1" i="1" dirty="0" smtClean="0"/>
+              <a:t>optimal assignment problem</a:t>
+            </a:r>
+            <a:endParaRPr lang="en-US" dirty="0" smtClean="0"/>
+          </a:p>
+          <a:p>
+            <a:pPr lvl="1"/>
+            <a:r>
+              <a:rPr lang="en-US" dirty="0" smtClean="0"/>
+              <a:t>An algorithm known as the </a:t>
+            </a:r>
+            <a:r>
+              <a:rPr lang="en-US" i="1" dirty="0" smtClean="0"/>
+              <a:t>Hungarian algorithm</a:t>
+            </a:r>
+            <a:r>
+              <a:rPr lang="en-US" dirty="0" smtClean="0"/>
+              <a:t> was developed by Harold Kuhn in 1955, and further investigated by James Munkres in 1957</a:t>
+            </a:r>
+          </a:p>
+          <a:p>
+            <a:pPr lvl="1"/>
+            <a:r>
+              <a:rPr lang="en-US" dirty="0" smtClean="0"/>
+              <a:t>Kuhn’s original name was in honor of the work done by Dénis Kõnig and Jenõ Egerváry on this problem in 1931</a:t>
+            </a:r>
+            <a:endParaRPr lang="en-US" dirty="0"/>
           </a:p>
         </p:txBody>
       </p:sp>
@@ -4890,7 +4906,7 @@
     </p:spTree>
     <p:extLst>
       <p:ext uri="{BB962C8B-B14F-4D97-AF65-F5344CB8AC3E}">
-        <p14:creationId xmlns:p14="http://schemas.microsoft.com/office/powerpoint/2010/main" val="3937455333"/>
+        <p14:creationId xmlns:p14="http://schemas.microsoft.com/office/powerpoint/2010/main" val="1638059594"/>
       </p:ext>
     </p:extLst>
   </p:cSld>
@@ -4960,336 +4976,22 @@
           <a:p>
             <a:r>
               <a:rPr lang="en-US" dirty="0" smtClean="0"/>
-              <a:t>Matching in Nonbipartite Graphs</a:t>
+              <a:t>Assignment Problem (continued)</a:t>
             </a:r>
           </a:p>
           <a:p>
             <a:pPr lvl="1"/>
             <a:r>
               <a:rPr lang="en-US" dirty="0" smtClean="0"/>
-              <a:t>The algorithm </a:t>
-            </a:r>
-            <a:r>
-              <a:rPr lang="en-US" sz="1800" dirty="0">
-                <a:latin typeface="Courier New" pitchFamily="49" charset="0"/>
-                <a:cs typeface="Courier New" pitchFamily="49" charset="0"/>
-              </a:rPr>
-              <a:t>findMaximumMatching()</a:t>
-            </a:r>
-            <a:r>
-              <a:rPr lang="en-US" dirty="0" smtClean="0">
-                <a:cs typeface="Courier New" pitchFamily="49" charset="0"/>
-              </a:rPr>
-              <a:t>(pages 441 and 442) is not general enough to correctly handled nonbipartite graphs</a:t>
-            </a:r>
-          </a:p>
-          <a:p>
-            <a:pPr lvl="1">
-              <a:spcBef>
-                <a:spcPts val="24"/>
-              </a:spcBef>
-            </a:pPr>
-            <a:r>
-              <a:rPr lang="en-US" dirty="0" smtClean="0">
-                <a:cs typeface="Courier New" pitchFamily="49" charset="0"/>
-              </a:rPr>
-              <a:t>Considering the graph in Figure 8.32 and using breadth-first search to construct a tree to determine an augmenting path we run into a problem</a:t>
-            </a:r>
-          </a:p>
-          <a:p>
-            <a:pPr lvl="1">
-              <a:spcBef>
-                <a:spcPts val="24"/>
-              </a:spcBef>
-            </a:pPr>
-            <a:r>
-              <a:rPr lang="en-US" dirty="0" smtClean="0">
-                <a:cs typeface="Courier New" pitchFamily="49" charset="0"/>
-              </a:rPr>
-              <a:t>Starting at vertex </a:t>
-            </a:r>
-            <a:r>
-              <a:rPr lang="en-US" i="1" dirty="0" smtClean="0">
-                <a:cs typeface="Courier New" pitchFamily="49" charset="0"/>
-              </a:rPr>
-              <a:t>c</a:t>
-            </a:r>
-            <a:r>
-              <a:rPr lang="en-US" dirty="0" smtClean="0">
-                <a:cs typeface="Courier New" pitchFamily="49" charset="0"/>
-              </a:rPr>
-              <a:t>, </a:t>
-            </a:r>
-            <a:r>
-              <a:rPr lang="en-US" i="1" dirty="0" smtClean="0">
-                <a:cs typeface="Courier New" pitchFamily="49" charset="0"/>
-              </a:rPr>
-              <a:t>d</a:t>
-            </a:r>
-            <a:r>
-              <a:rPr lang="en-US" dirty="0" smtClean="0">
-                <a:cs typeface="Courier New" pitchFamily="49" charset="0"/>
-              </a:rPr>
-              <a:t> is on an even level, </a:t>
-            </a:r>
-            <a:r>
-              <a:rPr lang="en-US" i="1" dirty="0" smtClean="0">
-                <a:cs typeface="Courier New" pitchFamily="49" charset="0"/>
-              </a:rPr>
-              <a:t>e</a:t>
-            </a:r>
-            <a:r>
-              <a:rPr lang="en-US" dirty="0">
-                <a:cs typeface="Courier New" pitchFamily="49" charset="0"/>
-              </a:rPr>
-              <a:t> </a:t>
-            </a:r>
-            <a:r>
-              <a:rPr lang="en-US" dirty="0" smtClean="0">
-                <a:cs typeface="Courier New" pitchFamily="49" charset="0"/>
-              </a:rPr>
-              <a:t>is odd, and </a:t>
-            </a:r>
-            <a:r>
-              <a:rPr lang="en-US" i="1" dirty="0" smtClean="0">
-                <a:cs typeface="Courier New" pitchFamily="49" charset="0"/>
-              </a:rPr>
-              <a:t>a</a:t>
-            </a:r>
-            <a:r>
-              <a:rPr lang="en-US" dirty="0" smtClean="0">
-                <a:cs typeface="Courier New" pitchFamily="49" charset="0"/>
-              </a:rPr>
-              <a:t> and </a:t>
-            </a:r>
-            <a:r>
-              <a:rPr lang="en-US" i="1" dirty="0" smtClean="0">
-                <a:cs typeface="Courier New" pitchFamily="49" charset="0"/>
-              </a:rPr>
-              <a:t>f</a:t>
-            </a:r>
-            <a:r>
-              <a:rPr lang="en-US" dirty="0" smtClean="0">
-                <a:cs typeface="Courier New" pitchFamily="49" charset="0"/>
-              </a:rPr>
-              <a:t> are even</a:t>
-            </a:r>
-          </a:p>
-          <a:p>
-            <a:pPr lvl="1">
-              <a:spcBef>
-                <a:spcPts val="24"/>
-              </a:spcBef>
-            </a:pPr>
-            <a:r>
-              <a:rPr lang="en-US" i="1" dirty="0" smtClean="0">
-                <a:cs typeface="Courier New" pitchFamily="49" charset="0"/>
-              </a:rPr>
-              <a:t>a</a:t>
-            </a:r>
-            <a:r>
-              <a:rPr lang="en-US" dirty="0">
-                <a:cs typeface="Courier New" pitchFamily="49" charset="0"/>
-              </a:rPr>
-              <a:t> </a:t>
-            </a:r>
-            <a:r>
-              <a:rPr lang="en-US" dirty="0" smtClean="0">
-                <a:cs typeface="Courier New" pitchFamily="49" charset="0"/>
-              </a:rPr>
-              <a:t>is then expanded by adding </a:t>
-            </a:r>
-            <a:r>
-              <a:rPr lang="en-US" i="1" dirty="0" smtClean="0">
-                <a:cs typeface="Courier New" pitchFamily="49" charset="0"/>
-              </a:rPr>
-              <a:t>b</a:t>
-            </a:r>
-            <a:r>
-              <a:rPr lang="en-US" dirty="0" smtClean="0">
-                <a:cs typeface="Courier New" pitchFamily="49" charset="0"/>
-              </a:rPr>
-              <a:t> and </a:t>
-            </a:r>
-            <a:r>
-              <a:rPr lang="en-US" i="1" dirty="0" smtClean="0">
-                <a:cs typeface="Courier New" pitchFamily="49" charset="0"/>
-              </a:rPr>
-              <a:t>f</a:t>
-            </a:r>
-            <a:r>
-              <a:rPr lang="en-US" dirty="0" smtClean="0">
-                <a:cs typeface="Courier New" pitchFamily="49" charset="0"/>
-              </a:rPr>
-              <a:t> by adding </a:t>
-            </a:r>
-            <a:r>
-              <a:rPr lang="en-US" i="1" dirty="0" smtClean="0">
-                <a:cs typeface="Courier New" pitchFamily="49" charset="0"/>
-              </a:rPr>
-              <a:t>g</a:t>
-            </a:r>
-            <a:r>
-              <a:rPr lang="en-US" dirty="0" smtClean="0">
-                <a:cs typeface="Courier New" pitchFamily="49" charset="0"/>
-              </a:rPr>
-              <a:t> and then </a:t>
-            </a:r>
-            <a:r>
-              <a:rPr lang="en-US" i="1" dirty="0" smtClean="0">
-                <a:cs typeface="Courier New" pitchFamily="49" charset="0"/>
-              </a:rPr>
-              <a:t>i</a:t>
-            </a:r>
-            <a:r>
-              <a:rPr lang="en-US" dirty="0" smtClean="0">
-                <a:cs typeface="Courier New" pitchFamily="49" charset="0"/>
-              </a:rPr>
-              <a:t>, creating an augmenting path </a:t>
-            </a:r>
-            <a:r>
-              <a:rPr lang="en-US" i="1" dirty="0" smtClean="0">
-                <a:cs typeface="Courier New" pitchFamily="49" charset="0"/>
-              </a:rPr>
-              <a:t>c</a:t>
-            </a:r>
-            <a:r>
-              <a:rPr lang="en-US" dirty="0" smtClean="0">
-                <a:cs typeface="Courier New" pitchFamily="49" charset="0"/>
-              </a:rPr>
-              <a:t>, </a:t>
-            </a:r>
-            <a:r>
-              <a:rPr lang="en-US" i="1" dirty="0" smtClean="0">
-                <a:cs typeface="Courier New" pitchFamily="49" charset="0"/>
-              </a:rPr>
-              <a:t>d</a:t>
-            </a:r>
-            <a:r>
-              <a:rPr lang="en-US" dirty="0" smtClean="0">
-                <a:cs typeface="Courier New" pitchFamily="49" charset="0"/>
-              </a:rPr>
-              <a:t>, </a:t>
-            </a:r>
-            <a:r>
-              <a:rPr lang="en-US" i="1" dirty="0" smtClean="0">
-                <a:cs typeface="Courier New" pitchFamily="49" charset="0"/>
-              </a:rPr>
-              <a:t>e</a:t>
-            </a:r>
-            <a:r>
-              <a:rPr lang="en-US" dirty="0" smtClean="0">
-                <a:cs typeface="Courier New" pitchFamily="49" charset="0"/>
-              </a:rPr>
-              <a:t>,</a:t>
-            </a:r>
-            <a:r>
-              <a:rPr lang="en-US" i="1" dirty="0" smtClean="0">
-                <a:cs typeface="Courier New" pitchFamily="49" charset="0"/>
-              </a:rPr>
-              <a:t> f</a:t>
-            </a:r>
-            <a:r>
-              <a:rPr lang="en-US" dirty="0" smtClean="0">
-                <a:cs typeface="Courier New" pitchFamily="49" charset="0"/>
-              </a:rPr>
-              <a:t>, </a:t>
-            </a:r>
-            <a:r>
-              <a:rPr lang="en-US" i="1" dirty="0" smtClean="0">
-                <a:cs typeface="Courier New" pitchFamily="49" charset="0"/>
-              </a:rPr>
-              <a:t>g</a:t>
-            </a:r>
-            <a:r>
-              <a:rPr lang="en-US" dirty="0" smtClean="0">
-                <a:cs typeface="Courier New" pitchFamily="49" charset="0"/>
-              </a:rPr>
-              <a:t>, </a:t>
-            </a:r>
-            <a:r>
-              <a:rPr lang="en-US" i="1" dirty="0" smtClean="0">
-                <a:cs typeface="Courier New" pitchFamily="49" charset="0"/>
-              </a:rPr>
-              <a:t>i</a:t>
-            </a:r>
-            <a:endParaRPr lang="en-US" dirty="0" smtClean="0">
-              <a:cs typeface="Courier New" pitchFamily="49" charset="0"/>
-            </a:endParaRPr>
-          </a:p>
-          <a:p>
-            <a:pPr lvl="1">
-              <a:spcBef>
-                <a:spcPts val="24"/>
-              </a:spcBef>
-            </a:pPr>
-            <a:r>
-              <a:rPr lang="en-US" dirty="0" smtClean="0">
-                <a:cs typeface="Courier New" pitchFamily="49" charset="0"/>
-              </a:rPr>
-              <a:t>If </a:t>
-            </a:r>
-            <a:r>
-              <a:rPr lang="en-US" i="1" dirty="0" smtClean="0">
-                <a:cs typeface="Courier New" pitchFamily="49" charset="0"/>
-              </a:rPr>
-              <a:t>i</a:t>
-            </a:r>
-            <a:r>
-              <a:rPr lang="en-US" dirty="0" smtClean="0">
-                <a:cs typeface="Courier New" pitchFamily="49" charset="0"/>
-              </a:rPr>
-              <a:t> were not in the graph, however, the only augmenting path would not be detected because </a:t>
-            </a:r>
-            <a:r>
-              <a:rPr lang="en-US" i="1" dirty="0" smtClean="0">
-                <a:cs typeface="Courier New" pitchFamily="49" charset="0"/>
-              </a:rPr>
-              <a:t>g</a:t>
-            </a:r>
-            <a:r>
-              <a:rPr lang="en-US" dirty="0" smtClean="0">
-                <a:cs typeface="Courier New" pitchFamily="49" charset="0"/>
-              </a:rPr>
-              <a:t>, being labeled, blocks access to </a:t>
-            </a:r>
-            <a:r>
-              <a:rPr lang="en-US" i="1" dirty="0" smtClean="0">
-                <a:cs typeface="Courier New" pitchFamily="49" charset="0"/>
-              </a:rPr>
-              <a:t>f</a:t>
-            </a:r>
-            <a:r>
-              <a:rPr lang="en-US" dirty="0" smtClean="0">
-                <a:cs typeface="Courier New" pitchFamily="49" charset="0"/>
-              </a:rPr>
-              <a:t> and </a:t>
-            </a:r>
-            <a:r>
-              <a:rPr lang="en-US" i="1" dirty="0" smtClean="0">
-                <a:cs typeface="Courier New" pitchFamily="49" charset="0"/>
-              </a:rPr>
-              <a:t>h</a:t>
-            </a:r>
-            <a:endParaRPr lang="en-US" dirty="0" smtClean="0">
-              <a:cs typeface="Courier New" pitchFamily="49" charset="0"/>
-            </a:endParaRPr>
-          </a:p>
-          <a:p>
-            <a:pPr lvl="1">
-              <a:spcBef>
-                <a:spcPts val="24"/>
-              </a:spcBef>
-            </a:pPr>
-            <a:r>
-              <a:rPr lang="en-US" dirty="0" smtClean="0">
-                <a:cs typeface="Courier New" pitchFamily="49" charset="0"/>
-              </a:rPr>
-              <a:t>A similar problem would occur if we relied on depth-first search instead</a:t>
-            </a:r>
-            <a:endParaRPr lang="en-US" dirty="0">
-              <a:cs typeface="Courier New" pitchFamily="49" charset="0"/>
-            </a:endParaRPr>
+              <a:t>The algorithm is shown on pages 445 and 446</a:t>
+            </a:r>
+          </a:p>
+          <a:p>
+            <a:pPr lvl="1"/>
+            <a:r>
+              <a:rPr lang="en-US" dirty="0" smtClean="0"/>
+              <a:t>An example of its application is shown in Figure 8.31, together with a detailed treatment of its application on pages 446 and 447</a:t>
+            </a:r>
           </a:p>
         </p:txBody>
       </p:sp>
@@ -5325,7 +5027,7 @@
     </p:spTree>
     <p:extLst>
       <p:ext uri="{BB962C8B-B14F-4D97-AF65-F5344CB8AC3E}">
-        <p14:creationId xmlns:p14="http://schemas.microsoft.com/office/powerpoint/2010/main" val="1738229177"/>
+        <p14:creationId xmlns:p14="http://schemas.microsoft.com/office/powerpoint/2010/main" val="3937455333"/>
       </p:ext>
     </p:extLst>
   </p:cSld>
@@ -5371,6 +5073,441 @@
           <a:lstStyle/>
           <a:p>
             <a:r>
+              <a:rPr lang="en-US" dirty="0" smtClean="0"/>
+              <a:t>Matching (continued)</a:t>
+            </a:r>
+            <a:endParaRPr lang="en-US" dirty="0"/>
+          </a:p>
+        </p:txBody>
+      </p:sp>
+      <p:sp>
+        <p:nvSpPr>
+          <p:cNvPr id="3" name="Content Placeholder 2"/>
+          <p:cNvSpPr>
+            <a:spLocks noGrp="1"/>
+          </p:cNvSpPr>
+          <p:nvPr>
+            <p:ph idx="1"/>
+          </p:nvPr>
+        </p:nvSpPr>
+        <p:spPr/>
+        <p:txBody>
+          <a:bodyPr/>
+          <a:lstStyle/>
+          <a:p>
+            <a:r>
+              <a:rPr lang="en-US" dirty="0" smtClean="0"/>
+              <a:t>Matching in Nonbipartite Graphs</a:t>
+            </a:r>
+          </a:p>
+          <a:p>
+            <a:pPr lvl="1"/>
+            <a:r>
+              <a:rPr lang="en-US" dirty="0" smtClean="0"/>
+              <a:t>The algorithm </a:t>
+            </a:r>
+            <a:r>
+              <a:rPr lang="en-US" sz="1800" dirty="0">
+                <a:latin typeface="Courier New" pitchFamily="49" charset="0"/>
+                <a:cs typeface="Courier New" pitchFamily="49" charset="0"/>
+              </a:rPr>
+              <a:t>findMaximumMatching()</a:t>
+            </a:r>
+            <a:r>
+              <a:rPr lang="en-US" dirty="0" smtClean="0">
+                <a:cs typeface="Courier New" pitchFamily="49" charset="0"/>
+              </a:rPr>
+              <a:t>(pages 441 and 442) is not general enough to correctly handled nonbipartite graphs</a:t>
+            </a:r>
+          </a:p>
+          <a:p>
+            <a:pPr lvl="1">
+              <a:spcBef>
+                <a:spcPts val="24"/>
+              </a:spcBef>
+            </a:pPr>
+            <a:r>
+              <a:rPr lang="en-US" dirty="0" smtClean="0">
+                <a:cs typeface="Courier New" pitchFamily="49" charset="0"/>
+              </a:rPr>
+              <a:t>Considering the graph in Figure 8.32 and using breadth-first search to construct a tree to determine an augmenting path we run into a problem</a:t>
+            </a:r>
+          </a:p>
+          <a:p>
+            <a:pPr lvl="1">
+              <a:spcBef>
+                <a:spcPts val="24"/>
+              </a:spcBef>
+            </a:pPr>
+            <a:r>
+              <a:rPr lang="en-US" dirty="0" smtClean="0">
+                <a:cs typeface="Courier New" pitchFamily="49" charset="0"/>
+              </a:rPr>
+              <a:t>Starting at vertex </a:t>
+            </a:r>
+            <a:r>
+              <a:rPr lang="en-US" i="1" dirty="0" smtClean="0">
+                <a:cs typeface="Courier New" pitchFamily="49" charset="0"/>
+              </a:rPr>
+              <a:t>c</a:t>
+            </a:r>
+            <a:r>
+              <a:rPr lang="en-US" dirty="0" smtClean="0">
+                <a:cs typeface="Courier New" pitchFamily="49" charset="0"/>
+              </a:rPr>
+              <a:t>, </a:t>
+            </a:r>
+            <a:r>
+              <a:rPr lang="en-US" i="1" dirty="0" smtClean="0">
+                <a:cs typeface="Courier New" pitchFamily="49" charset="0"/>
+              </a:rPr>
+              <a:t>d</a:t>
+            </a:r>
+            <a:r>
+              <a:rPr lang="en-US" dirty="0" smtClean="0">
+                <a:cs typeface="Courier New" pitchFamily="49" charset="0"/>
+              </a:rPr>
+              <a:t> is on an even level, </a:t>
+            </a:r>
+            <a:r>
+              <a:rPr lang="en-US" i="1" dirty="0" smtClean="0">
+                <a:cs typeface="Courier New" pitchFamily="49" charset="0"/>
+              </a:rPr>
+              <a:t>e</a:t>
+            </a:r>
+            <a:r>
+              <a:rPr lang="en-US" dirty="0">
+                <a:cs typeface="Courier New" pitchFamily="49" charset="0"/>
+              </a:rPr>
+              <a:t> </a:t>
+            </a:r>
+            <a:r>
+              <a:rPr lang="en-US" dirty="0" smtClean="0">
+                <a:cs typeface="Courier New" pitchFamily="49" charset="0"/>
+              </a:rPr>
+              <a:t>is odd, and </a:t>
+            </a:r>
+            <a:r>
+              <a:rPr lang="en-US" i="1" dirty="0" smtClean="0">
+                <a:cs typeface="Courier New" pitchFamily="49" charset="0"/>
+              </a:rPr>
+              <a:t>a</a:t>
+            </a:r>
+            <a:r>
+              <a:rPr lang="en-US" dirty="0" smtClean="0">
+                <a:cs typeface="Courier New" pitchFamily="49" charset="0"/>
+              </a:rPr>
+              <a:t> and </a:t>
+            </a:r>
+            <a:r>
+              <a:rPr lang="en-US" i="1" dirty="0" smtClean="0">
+                <a:cs typeface="Courier New" pitchFamily="49" charset="0"/>
+              </a:rPr>
+              <a:t>f</a:t>
+            </a:r>
+            <a:r>
+              <a:rPr lang="en-US" dirty="0" smtClean="0">
+                <a:cs typeface="Courier New" pitchFamily="49" charset="0"/>
+              </a:rPr>
+              <a:t> are even</a:t>
+            </a:r>
+          </a:p>
+          <a:p>
+            <a:pPr lvl="1">
+              <a:spcBef>
+                <a:spcPts val="24"/>
+              </a:spcBef>
+            </a:pPr>
+            <a:r>
+              <a:rPr lang="en-US" i="1" dirty="0" smtClean="0">
+                <a:cs typeface="Courier New" pitchFamily="49" charset="0"/>
+              </a:rPr>
+              <a:t>a</a:t>
+            </a:r>
+            <a:r>
+              <a:rPr lang="en-US" dirty="0">
+                <a:cs typeface="Courier New" pitchFamily="49" charset="0"/>
+              </a:rPr>
+              <a:t> </a:t>
+            </a:r>
+            <a:r>
+              <a:rPr lang="en-US" dirty="0" smtClean="0">
+                <a:cs typeface="Courier New" pitchFamily="49" charset="0"/>
+              </a:rPr>
+              <a:t>is then expanded by adding </a:t>
+            </a:r>
+            <a:r>
+              <a:rPr lang="en-US" i="1" dirty="0" smtClean="0">
+                <a:cs typeface="Courier New" pitchFamily="49" charset="0"/>
+              </a:rPr>
+              <a:t>b</a:t>
+            </a:r>
+            <a:r>
+              <a:rPr lang="en-US" dirty="0" smtClean="0">
+                <a:cs typeface="Courier New" pitchFamily="49" charset="0"/>
+              </a:rPr>
+              <a:t> and </a:t>
+            </a:r>
+            <a:r>
+              <a:rPr lang="en-US" i="1" dirty="0" smtClean="0">
+                <a:cs typeface="Courier New" pitchFamily="49" charset="0"/>
+              </a:rPr>
+              <a:t>f</a:t>
+            </a:r>
+            <a:r>
+              <a:rPr lang="en-US" dirty="0" smtClean="0">
+                <a:cs typeface="Courier New" pitchFamily="49" charset="0"/>
+              </a:rPr>
+              <a:t> by adding </a:t>
+            </a:r>
+            <a:r>
+              <a:rPr lang="en-US" i="1" dirty="0" smtClean="0">
+                <a:cs typeface="Courier New" pitchFamily="49" charset="0"/>
+              </a:rPr>
+              <a:t>g</a:t>
+            </a:r>
+            <a:r>
+              <a:rPr lang="en-US" dirty="0" smtClean="0">
+                <a:cs typeface="Courier New" pitchFamily="49" charset="0"/>
+              </a:rPr>
+              <a:t> and then </a:t>
+            </a:r>
+            <a:r>
+              <a:rPr lang="en-US" i="1" dirty="0" smtClean="0">
+                <a:cs typeface="Courier New" pitchFamily="49" charset="0"/>
+              </a:rPr>
+              <a:t>i</a:t>
+            </a:r>
+            <a:r>
+              <a:rPr lang="en-US" dirty="0" smtClean="0">
+                <a:cs typeface="Courier New" pitchFamily="49" charset="0"/>
+              </a:rPr>
+              <a:t>, creating an augmenting path </a:t>
+            </a:r>
+            <a:r>
+              <a:rPr lang="en-US" i="1" dirty="0" smtClean="0">
+                <a:cs typeface="Courier New" pitchFamily="49" charset="0"/>
+              </a:rPr>
+              <a:t>c</a:t>
+            </a:r>
+            <a:r>
+              <a:rPr lang="en-US" dirty="0" smtClean="0">
+                <a:cs typeface="Courier New" pitchFamily="49" charset="0"/>
+              </a:rPr>
+              <a:t>, </a:t>
+            </a:r>
+            <a:r>
+              <a:rPr lang="en-US" i="1" dirty="0" smtClean="0">
+                <a:cs typeface="Courier New" pitchFamily="49" charset="0"/>
+              </a:rPr>
+              <a:t>d</a:t>
+            </a:r>
+            <a:r>
+              <a:rPr lang="en-US" dirty="0" smtClean="0">
+                <a:cs typeface="Courier New" pitchFamily="49" charset="0"/>
+              </a:rPr>
+              <a:t>, </a:t>
+            </a:r>
+            <a:r>
+              <a:rPr lang="en-US" i="1" dirty="0" smtClean="0">
+                <a:cs typeface="Courier New" pitchFamily="49" charset="0"/>
+              </a:rPr>
+              <a:t>e</a:t>
+            </a:r>
+            <a:r>
+              <a:rPr lang="en-US" dirty="0" smtClean="0">
+                <a:cs typeface="Courier New" pitchFamily="49" charset="0"/>
+              </a:rPr>
+              <a:t>,</a:t>
+            </a:r>
+            <a:r>
+              <a:rPr lang="en-US" i="1" dirty="0" smtClean="0">
+                <a:cs typeface="Courier New" pitchFamily="49" charset="0"/>
+              </a:rPr>
+              <a:t> f</a:t>
+            </a:r>
+            <a:r>
+              <a:rPr lang="en-US" dirty="0" smtClean="0">
+                <a:cs typeface="Courier New" pitchFamily="49" charset="0"/>
+              </a:rPr>
+              <a:t>, </a:t>
+            </a:r>
+            <a:r>
+              <a:rPr lang="en-US" i="1" dirty="0" smtClean="0">
+                <a:cs typeface="Courier New" pitchFamily="49" charset="0"/>
+              </a:rPr>
+              <a:t>g</a:t>
+            </a:r>
+            <a:r>
+              <a:rPr lang="en-US" dirty="0" smtClean="0">
+                <a:cs typeface="Courier New" pitchFamily="49" charset="0"/>
+              </a:rPr>
+              <a:t>, </a:t>
+            </a:r>
+            <a:r>
+              <a:rPr lang="en-US" i="1" dirty="0" smtClean="0">
+                <a:cs typeface="Courier New" pitchFamily="49" charset="0"/>
+              </a:rPr>
+              <a:t>i</a:t>
+            </a:r>
+            <a:endParaRPr lang="en-US" dirty="0" smtClean="0">
+              <a:cs typeface="Courier New" pitchFamily="49" charset="0"/>
+            </a:endParaRPr>
+          </a:p>
+          <a:p>
+            <a:pPr lvl="1">
+              <a:spcBef>
+                <a:spcPts val="24"/>
+              </a:spcBef>
+            </a:pPr>
+            <a:r>
+              <a:rPr lang="en-US" dirty="0" smtClean="0">
+                <a:cs typeface="Courier New" pitchFamily="49" charset="0"/>
+              </a:rPr>
+              <a:t>If </a:t>
+            </a:r>
+            <a:r>
+              <a:rPr lang="en-US" i="1" dirty="0" smtClean="0">
+                <a:cs typeface="Courier New" pitchFamily="49" charset="0"/>
+              </a:rPr>
+              <a:t>i</a:t>
+            </a:r>
+            <a:r>
+              <a:rPr lang="en-US" dirty="0" smtClean="0">
+                <a:cs typeface="Courier New" pitchFamily="49" charset="0"/>
+              </a:rPr>
+              <a:t> were not in the graph, however, the only augmenting path would not be detected because </a:t>
+            </a:r>
+            <a:r>
+              <a:rPr lang="en-US" i="1" dirty="0" smtClean="0">
+                <a:cs typeface="Courier New" pitchFamily="49" charset="0"/>
+              </a:rPr>
+              <a:t>g</a:t>
+            </a:r>
+            <a:r>
+              <a:rPr lang="en-US" dirty="0" smtClean="0">
+                <a:cs typeface="Courier New" pitchFamily="49" charset="0"/>
+              </a:rPr>
+              <a:t>, being labeled, blocks access to </a:t>
+            </a:r>
+            <a:r>
+              <a:rPr lang="en-US" i="1" dirty="0" smtClean="0">
+                <a:cs typeface="Courier New" pitchFamily="49" charset="0"/>
+              </a:rPr>
+              <a:t>f</a:t>
+            </a:r>
+            <a:r>
+              <a:rPr lang="en-US" dirty="0" smtClean="0">
+                <a:cs typeface="Courier New" pitchFamily="49" charset="0"/>
+              </a:rPr>
+              <a:t> and </a:t>
+            </a:r>
+            <a:r>
+              <a:rPr lang="en-US" i="1" dirty="0" smtClean="0">
+                <a:cs typeface="Courier New" pitchFamily="49" charset="0"/>
+              </a:rPr>
+              <a:t>h</a:t>
+            </a:r>
+            <a:endParaRPr lang="en-US" dirty="0" smtClean="0">
+              <a:cs typeface="Courier New" pitchFamily="49" charset="0"/>
+            </a:endParaRPr>
+          </a:p>
+          <a:p>
+            <a:pPr lvl="1">
+              <a:spcBef>
+                <a:spcPts val="24"/>
+              </a:spcBef>
+            </a:pPr>
+            <a:r>
+              <a:rPr lang="en-US" dirty="0" smtClean="0">
+                <a:cs typeface="Courier New" pitchFamily="49" charset="0"/>
+              </a:rPr>
+              <a:t>A similar problem would occur if we relied on depth-first search instead</a:t>
+            </a:r>
+            <a:endParaRPr lang="en-US" dirty="0">
+              <a:cs typeface="Courier New" pitchFamily="49" charset="0"/>
+            </a:endParaRPr>
+          </a:p>
+        </p:txBody>
+      </p:sp>
+      <p:sp>
+        <p:nvSpPr>
+          <p:cNvPr id="5" name="Slide Number Placeholder 4"/>
+          <p:cNvSpPr>
+            <a:spLocks noGrp="1"/>
+          </p:cNvSpPr>
+          <p:nvPr>
+            <p:ph type="sldNum" sz="quarter" idx="12"/>
+          </p:nvPr>
+        </p:nvSpPr>
+        <p:spPr/>
+        <p:txBody>
+          <a:bodyPr/>
+          <a:lstStyle/>
+          <a:p>
+            <a:pPr>
+              <a:defRPr/>
+            </a:pPr>
+            <a:fld id="{54239539-FAAE-47F3-A644-ECC48BA6469C}" type="slidenum">
+              <a:rPr lang="en-US" smtClean="0"/>
+              <a:pPr>
+                <a:defRPr/>
+              </a:pPr>
+              <a:t>17</a:t>
+            </a:fld>
+            <a:endParaRPr lang="en-US" dirty="0"/>
+          </a:p>
+        </p:txBody>
+      </p:sp>
+    </p:spTree>
+    <p:extLst>
+      <p:ext uri="{BB962C8B-B14F-4D97-AF65-F5344CB8AC3E}">
+        <p14:creationId xmlns:p14="http://schemas.microsoft.com/office/powerpoint/2010/main" val="1738229177"/>
+      </p:ext>
+    </p:extLst>
+  </p:cSld>
+  <p:clrMapOvr>
+    <a:masterClrMapping/>
+  </p:clrMapOvr>
+  <p:transition spd="slow">
+    <p:wipe/>
+  </p:transition>
+</p:sld>
+</file>
+
+<file path=ppt/slides/slide18.xml><?xml version="1.0" encoding="utf-8"?>
+<p:sld xmlns:a="http://schemas.openxmlformats.org/drawingml/2006/main" xmlns:r="http://schemas.openxmlformats.org/officeDocument/2006/relationships" xmlns:p="http://schemas.openxmlformats.org/presentationml/2006/main">
+  <p:cSld>
+    <p:spTree>
+      <p:nvGrpSpPr>
+        <p:cNvPr id="1" name=""/>
+        <p:cNvGrpSpPr/>
+        <p:nvPr/>
+      </p:nvGrpSpPr>
+      <p:grpSpPr>
+        <a:xfrm>
+          <a:off x="0" y="0"/>
+          <a:ext cx="0" cy="0"/>
+          <a:chOff x="0" y="0"/>
+          <a:chExt cx="0" cy="0"/>
+        </a:xfrm>
+      </p:grpSpPr>
+      <p:sp>
+        <p:nvSpPr>
+          <p:cNvPr id="2" name="Title 1"/>
+          <p:cNvSpPr>
+            <a:spLocks noGrp="1"/>
+          </p:cNvSpPr>
+          <p:nvPr>
+            <p:ph type="title"/>
+          </p:nvPr>
+        </p:nvSpPr>
+        <p:spPr/>
+        <p:txBody>
+          <a:bodyPr/>
+          <a:lstStyle/>
+          <a:p>
+            <a:r>
               <a:rPr lang="en-US" dirty="0"/>
               <a:t>Matching in </a:t>
             </a:r>
@@ -5382,7 +5519,6 @@
               <a:rPr lang="en-US" dirty="0"/>
               <a:t> Graphs</a:t>
             </a:r>
-            <a:endParaRPr lang="en-US" dirty="0"/>
           </a:p>
         </p:txBody>
       </p:sp>
@@ -5446,7 +5582,7 @@
               <a:pPr>
                 <a:defRPr/>
               </a:pPr>
-              <a:t>17</a:t>
+              <a:t>18</a:t>
             </a:fld>
             <a:endParaRPr lang="en-US" dirty="0"/>
           </a:p>
@@ -5532,194 +5668,6 @@
 </p:sld>
 </file>
 
-<file path=ppt/slides/slide18.xml><?xml version="1.0" encoding="utf-8"?>
-<p:sld xmlns:a="http://schemas.openxmlformats.org/drawingml/2006/main" xmlns:r="http://schemas.openxmlformats.org/officeDocument/2006/relationships" xmlns:p="http://schemas.openxmlformats.org/presentationml/2006/main">
-  <p:cSld>
-    <p:spTree>
-      <p:nvGrpSpPr>
-        <p:cNvPr id="1" name=""/>
-        <p:cNvGrpSpPr/>
-        <p:nvPr/>
-      </p:nvGrpSpPr>
-      <p:grpSpPr>
-        <a:xfrm>
-          <a:off x="0" y="0"/>
-          <a:ext cx="0" cy="0"/>
-          <a:chOff x="0" y="0"/>
-          <a:chExt cx="0" cy="0"/>
-        </a:xfrm>
-      </p:grpSpPr>
-      <p:sp>
-        <p:nvSpPr>
-          <p:cNvPr id="2" name="Title 1"/>
-          <p:cNvSpPr>
-            <a:spLocks noGrp="1"/>
-          </p:cNvSpPr>
-          <p:nvPr>
-            <p:ph type="title"/>
-          </p:nvPr>
-        </p:nvSpPr>
-        <p:spPr/>
-        <p:txBody>
-          <a:bodyPr/>
-          <a:lstStyle/>
-          <a:p>
-            <a:r>
-              <a:rPr lang="en-US" dirty="0" smtClean="0"/>
-              <a:t>Matching (continued)</a:t>
-            </a:r>
-            <a:endParaRPr lang="en-US" dirty="0"/>
-          </a:p>
-        </p:txBody>
-      </p:sp>
-      <p:sp>
-        <p:nvSpPr>
-          <p:cNvPr id="3" name="Content Placeholder 2"/>
-          <p:cNvSpPr>
-            <a:spLocks noGrp="1"/>
-          </p:cNvSpPr>
-          <p:nvPr>
-            <p:ph idx="1"/>
-          </p:nvPr>
-        </p:nvSpPr>
-        <p:spPr/>
-        <p:txBody>
-          <a:bodyPr/>
-          <a:lstStyle/>
-          <a:p>
-            <a:r>
-              <a:rPr lang="en-US" dirty="0"/>
-              <a:t>Matching in Nonbipartite </a:t>
-            </a:r>
-            <a:r>
-              <a:rPr lang="en-US" dirty="0" smtClean="0"/>
-              <a:t>Graphs (continued)</a:t>
-            </a:r>
-          </a:p>
-          <a:p>
-            <a:pPr lvl="1"/>
-            <a:r>
-              <a:rPr lang="en-US" dirty="0" smtClean="0"/>
-              <a:t>The type of cycle for which the problems occur is called a blossom</a:t>
-            </a:r>
-          </a:p>
-          <a:p>
-            <a:pPr lvl="1"/>
-            <a:r>
-              <a:rPr lang="en-US" dirty="0" smtClean="0"/>
-              <a:t>A technique for determining augmenting paths for graphs with blossoms was developed by Jack Edmonds in 1961 and published in 1965</a:t>
-            </a:r>
-          </a:p>
-          <a:p>
-            <a:pPr lvl="1"/>
-            <a:r>
-              <a:rPr lang="en-US" dirty="0" smtClean="0"/>
-              <a:t>A </a:t>
-            </a:r>
-            <a:r>
-              <a:rPr lang="en-US" b="1" i="1" dirty="0" smtClean="0"/>
-              <a:t>blossom </a:t>
-            </a:r>
-            <a:r>
-              <a:rPr lang="en-US" dirty="0" smtClean="0"/>
-              <a:t>is an alternating cycle where the first and last edges of the cycle are not in matching</a:t>
-            </a:r>
-          </a:p>
-          <a:p>
-            <a:pPr lvl="1"/>
-            <a:r>
-              <a:rPr lang="en-US" dirty="0" smtClean="0"/>
-              <a:t>In these cycles, the first vertex is called the </a:t>
-            </a:r>
-            <a:r>
-              <a:rPr lang="en-US" b="1" i="1" dirty="0" smtClean="0"/>
-              <a:t>base</a:t>
-            </a:r>
-            <a:r>
-              <a:rPr lang="en-US" dirty="0" smtClean="0"/>
-              <a:t> of the blossom</a:t>
-            </a:r>
-          </a:p>
-          <a:p>
-            <a:pPr lvl="1"/>
-            <a:r>
-              <a:rPr lang="en-US" dirty="0" smtClean="0"/>
-              <a:t>An alternating path of even length is called a </a:t>
-            </a:r>
-            <a:r>
-              <a:rPr lang="en-US" b="1" i="1" dirty="0" smtClean="0"/>
-              <a:t>stem</a:t>
-            </a:r>
-            <a:r>
-              <a:rPr lang="en-US" dirty="0" smtClean="0"/>
-              <a:t>, so is a path of length zero with a single vertex</a:t>
-            </a:r>
-          </a:p>
-          <a:p>
-            <a:pPr lvl="1"/>
-            <a:r>
-              <a:rPr lang="en-US" dirty="0" smtClean="0"/>
-              <a:t>If a blossom has a stem whose edge in matching is incident with the base, it is called a </a:t>
-            </a:r>
-            <a:r>
-              <a:rPr lang="en-US" b="1" i="1" dirty="0" smtClean="0"/>
-              <a:t>flower</a:t>
-            </a:r>
-            <a:endParaRPr lang="en-US" dirty="0" smtClean="0"/>
-          </a:p>
-          <a:p>
-            <a:pPr marL="457200" lvl="1" indent="0">
-              <a:buNone/>
-            </a:pPr>
-            <a:endParaRPr lang="en-US" dirty="0" smtClean="0"/>
-          </a:p>
-        </p:txBody>
-      </p:sp>
-      <p:sp>
-        <p:nvSpPr>
-          <p:cNvPr id="5" name="Slide Number Placeholder 4"/>
-          <p:cNvSpPr>
-            <a:spLocks noGrp="1"/>
-          </p:cNvSpPr>
-          <p:nvPr>
-            <p:ph type="sldNum" sz="quarter" idx="12"/>
-          </p:nvPr>
-        </p:nvSpPr>
-        <p:spPr/>
-        <p:txBody>
-          <a:bodyPr/>
-          <a:lstStyle/>
-          <a:p>
-            <a:pPr>
-              <a:defRPr/>
-            </a:pPr>
-            <a:fld id="{54239539-FAAE-47F3-A644-ECC48BA6469C}" type="slidenum">
-              <a:rPr lang="en-US" smtClean="0"/>
-              <a:pPr>
-                <a:defRPr/>
-              </a:pPr>
-              <a:t>18</a:t>
-            </a:fld>
-            <a:endParaRPr lang="en-US" dirty="0"/>
-          </a:p>
-        </p:txBody>
-      </p:sp>
-    </p:spTree>
-    <p:extLst>
-      <p:ext uri="{BB962C8B-B14F-4D97-AF65-F5344CB8AC3E}">
-        <p14:creationId xmlns:p14="http://schemas.microsoft.com/office/powerpoint/2010/main" val="143224960"/>
-      </p:ext>
-    </p:extLst>
-  </p:cSld>
-  <p:clrMapOvr>
-    <a:masterClrMapping/>
-  </p:clrMapOvr>
-  <p:transition spd="slow">
-    <p:wipe/>
-  </p:transition>
-</p:sld>
-</file>
-
 <file path=ppt/slides/slide19.xml><?xml version="1.0" encoding="utf-8"?>
 <p:sld xmlns:a="http://schemas.openxmlformats.org/drawingml/2006/main" xmlns:r="http://schemas.openxmlformats.org/officeDocument/2006/relationships" xmlns:p="http://schemas.openxmlformats.org/presentationml/2006/main">
   <p:cSld>
@@ -5788,128 +5736,78 @@
             <a:pPr lvl="1"/>
             <a:r>
               <a:rPr lang="en-US" dirty="0" smtClean="0"/>
-              <a:t>In Figure 8.32a, path </a:t>
-            </a:r>
-            <a:r>
-              <a:rPr lang="en-US" i="1" dirty="0" smtClean="0"/>
-              <a:t>c</a:t>
-            </a:r>
-            <a:r>
-              <a:rPr lang="en-US" dirty="0" smtClean="0"/>
-              <a:t>, </a:t>
-            </a:r>
-            <a:r>
-              <a:rPr lang="en-US" i="1" dirty="0" smtClean="0"/>
-              <a:t>d</a:t>
-            </a:r>
-            <a:r>
-              <a:rPr lang="en-US" dirty="0" smtClean="0"/>
-              <a:t>, </a:t>
-            </a:r>
-            <a:r>
-              <a:rPr lang="en-US" i="1" dirty="0" smtClean="0"/>
-              <a:t>e</a:t>
-            </a:r>
-            <a:r>
-              <a:rPr lang="en-US" dirty="0" smtClean="0"/>
-              <a:t> and path </a:t>
-            </a:r>
-            <a:r>
-              <a:rPr lang="en-US" i="1" dirty="0" smtClean="0"/>
-              <a:t>e</a:t>
-            </a:r>
-            <a:r>
-              <a:rPr lang="en-US" dirty="0" smtClean="0"/>
-              <a:t> are stems; cycle </a:t>
-            </a:r>
-            <a:r>
-              <a:rPr lang="en-US" i="1" dirty="0" smtClean="0"/>
-              <a:t>e</a:t>
-            </a:r>
-            <a:r>
-              <a:rPr lang="en-US" dirty="0" smtClean="0"/>
-              <a:t>, </a:t>
-            </a:r>
-            <a:r>
-              <a:rPr lang="en-US" i="1" dirty="0" smtClean="0"/>
-              <a:t>a</a:t>
-            </a:r>
-            <a:r>
-              <a:rPr lang="en-US" dirty="0" smtClean="0"/>
-              <a:t>, </a:t>
-            </a:r>
-            <a:r>
-              <a:rPr lang="en-US" i="1" dirty="0" smtClean="0"/>
-              <a:t>b</a:t>
-            </a:r>
-            <a:r>
-              <a:rPr lang="en-US" dirty="0" smtClean="0"/>
-              <a:t>, </a:t>
-            </a:r>
-            <a:r>
-              <a:rPr lang="en-US" i="1" dirty="0" smtClean="0"/>
-              <a:t>g</a:t>
-            </a:r>
-            <a:r>
-              <a:rPr lang="en-US" dirty="0" smtClean="0"/>
-              <a:t>, </a:t>
-            </a:r>
-            <a:r>
-              <a:rPr lang="en-US" i="1" dirty="0" smtClean="0"/>
-              <a:t>f</a:t>
-            </a:r>
-            <a:r>
-              <a:rPr lang="en-US" dirty="0" smtClean="0"/>
-              <a:t>, </a:t>
-            </a:r>
-            <a:r>
-              <a:rPr lang="en-US" i="1" dirty="0" smtClean="0"/>
-              <a:t>e</a:t>
-            </a:r>
-            <a:r>
-              <a:rPr lang="en-US" dirty="0" smtClean="0"/>
-              <a:t> forms a blossom with base </a:t>
-            </a:r>
-            <a:r>
-              <a:rPr lang="en-US" i="1" dirty="0" smtClean="0"/>
-              <a:t>e</a:t>
+              <a:t>The type of cycle for which the problems occur is called a blossom</a:t>
+            </a:r>
+          </a:p>
+          <a:p>
+            <a:pPr lvl="1"/>
+            <a:r>
+              <a:rPr lang="en-US" dirty="0" smtClean="0"/>
+              <a:t>A technique for determining augmenting paths for graphs with blossoms was developed by Jack Edmonds in 1961 and published in 1965</a:t>
+            </a:r>
+          </a:p>
+          <a:p>
+            <a:pPr lvl="1"/>
+            <a:r>
+              <a:rPr lang="en-US" dirty="0" smtClean="0"/>
+              <a:t>A </a:t>
+            </a:r>
+            <a:r>
+              <a:rPr lang="en-US" b="1" i="1" dirty="0" smtClean="0"/>
+              <a:t>blossom </a:t>
+            </a:r>
+            <a:r>
+              <a:rPr lang="en-US" dirty="0" smtClean="0"/>
+              <a:t>is an alternating cycle where the first and last edges of the cycle are not in matching</a:t>
+            </a:r>
+          </a:p>
+          <a:p>
+            <a:pPr lvl="1"/>
+            <a:r>
+              <a:rPr lang="en-US" dirty="0" smtClean="0"/>
+              <a:t>In these cycles, the first vertex is called the </a:t>
+            </a:r>
+            <a:r>
+              <a:rPr lang="en-US" b="1" i="1" dirty="0" smtClean="0"/>
+              <a:t>base</a:t>
+            </a:r>
+            <a:r>
+              <a:rPr lang="en-US" dirty="0" smtClean="0"/>
+              <a:t> of the blossom</a:t>
+            </a:r>
+          </a:p>
+          <a:p>
+            <a:pPr lvl="1"/>
+            <a:r>
+              <a:rPr lang="en-US" dirty="0" smtClean="0"/>
+              <a:t>An alternating path of even length is called a </a:t>
+            </a:r>
+            <a:r>
+              <a:rPr lang="en-US" b="1" i="1" dirty="0" smtClean="0"/>
+              <a:t>stem</a:t>
+            </a:r>
+            <a:r>
+              <a:rPr lang="en-US" dirty="0" smtClean="0"/>
+              <a:t>, so is a path of length zero with a single vertex</a:t>
+            </a:r>
+          </a:p>
+          <a:p>
+            <a:pPr lvl="1"/>
+            <a:r>
+              <a:rPr lang="en-US" dirty="0" smtClean="0"/>
+              <a:t>If a blossom has a stem whose edge in matching is incident with the base, it is called a </a:t>
+            </a:r>
+            <a:r>
+              <a:rPr lang="en-US" b="1" i="1" dirty="0" smtClean="0"/>
+              <a:t>flower</a:t>
             </a:r>
             <a:endParaRPr lang="en-US" dirty="0" smtClean="0"/>
           </a:p>
           <a:p>
-            <a:pPr lvl="1"/>
-            <a:r>
-              <a:rPr lang="en-US" dirty="0" smtClean="0"/>
-              <a:t>Blossoms cause problems when the potential augmenting path leads to a blossom through the base</a:t>
-            </a:r>
-          </a:p>
-          <a:p>
-            <a:pPr lvl="1"/>
-            <a:r>
-              <a:rPr lang="en-US" dirty="0" smtClean="0"/>
-              <a:t>Depending on the edge chosen to continue the path, an augmenting path may not be derived</a:t>
-            </a:r>
-          </a:p>
-          <a:p>
-            <a:pPr lvl="1"/>
-            <a:r>
-              <a:rPr lang="en-US" dirty="0" smtClean="0"/>
-              <a:t>If the blossom is entered through any other vertex, however, the problem is averted because only one of the two edges of the vertex can be chosen</a:t>
-            </a:r>
-          </a:p>
-          <a:p>
-            <a:pPr lvl="1"/>
-            <a:r>
-              <a:rPr lang="en-US" dirty="0" smtClean="0"/>
-              <a:t>So the idea is to detect a blossom is being entered through its base</a:t>
-            </a:r>
-          </a:p>
-          <a:p>
-            <a:pPr lvl="1"/>
-            <a:r>
-              <a:rPr lang="en-US" dirty="0" smtClean="0"/>
-              <a:t>We can then temporarily remove the blossom by replacing it with a vertex and attach to this all edges connected to the blossom</a:t>
-            </a:r>
+            <a:pPr marL="457200" lvl="1" indent="0">
+              <a:buNone/>
+            </a:pPr>
+            <a:endParaRPr lang="en-US" dirty="0" smtClean="0"/>
           </a:p>
         </p:txBody>
       </p:sp>
@@ -5945,7 +5843,7 @@
     </p:spTree>
     <p:extLst>
       <p:ext uri="{BB962C8B-B14F-4D97-AF65-F5344CB8AC3E}">
-        <p14:creationId xmlns:p14="http://schemas.microsoft.com/office/powerpoint/2010/main" val="3902197535"/>
+        <p14:creationId xmlns:p14="http://schemas.microsoft.com/office/powerpoint/2010/main" val="143224960"/>
       </p:ext>
     </p:extLst>
   </p:cSld>
@@ -6306,42 +6204,55 @@
             <a:pPr lvl="1"/>
             <a:r>
               <a:rPr lang="en-US" dirty="0" smtClean="0"/>
-              <a:t>At this point the search for an augmenting path continues</a:t>
-            </a:r>
-          </a:p>
-          <a:p>
-            <a:pPr lvl="1"/>
-            <a:r>
-              <a:rPr lang="en-US" dirty="0" smtClean="0"/>
-              <a:t>If one is found and it includes a vertex representing a blossom, the blossom is re-inserted</a:t>
-            </a:r>
-          </a:p>
-          <a:p>
-            <a:pPr lvl="1"/>
-            <a:r>
-              <a:rPr lang="en-US" dirty="0" smtClean="0"/>
-              <a:t>The path through it is then determined by going backwards from the edge that led to the blossom to an edge incident with the base</a:t>
-            </a:r>
-          </a:p>
-          <a:p>
-            <a:pPr lvl="1"/>
-            <a:r>
-              <a:rPr lang="en-US" dirty="0" smtClean="0"/>
-              <a:t>So first, we need to detect that a blossom has been entered through its base</a:t>
-            </a:r>
-          </a:p>
-          <a:p>
-            <a:pPr lvl="1"/>
-            <a:r>
-              <a:rPr lang="en-US" dirty="0" smtClean="0"/>
-              <a:t>The Hungarian tree in Figure 8.33a was generated using a breadth-first search on the graph of Figure 8.32a</a:t>
-            </a:r>
-          </a:p>
-          <a:p>
-            <a:pPr lvl="1"/>
-            <a:r>
-              <a:rPr lang="en-US" dirty="0" smtClean="0"/>
-              <a:t>Trying to find neighbors of </a:t>
+              <a:t>In Figure 8.32a, path </a:t>
+            </a:r>
+            <a:r>
+              <a:rPr lang="en-US" i="1" dirty="0" smtClean="0"/>
+              <a:t>c</a:t>
+            </a:r>
+            <a:r>
+              <a:rPr lang="en-US" dirty="0" smtClean="0"/>
+              <a:t>, </a:t>
+            </a:r>
+            <a:r>
+              <a:rPr lang="en-US" i="1" dirty="0" smtClean="0"/>
+              <a:t>d</a:t>
+            </a:r>
+            <a:r>
+              <a:rPr lang="en-US" dirty="0" smtClean="0"/>
+              <a:t>, </a:t>
+            </a:r>
+            <a:r>
+              <a:rPr lang="en-US" i="1" dirty="0" smtClean="0"/>
+              <a:t>e</a:t>
+            </a:r>
+            <a:r>
+              <a:rPr lang="en-US" dirty="0" smtClean="0"/>
+              <a:t> and path </a:t>
+            </a:r>
+            <a:r>
+              <a:rPr lang="en-US" i="1" dirty="0" smtClean="0"/>
+              <a:t>e</a:t>
+            </a:r>
+            <a:r>
+              <a:rPr lang="en-US" dirty="0" smtClean="0"/>
+              <a:t> are stems; cycle </a:t>
+            </a:r>
+            <a:r>
+              <a:rPr lang="en-US" i="1" dirty="0" smtClean="0"/>
+              <a:t>e</a:t>
+            </a:r>
+            <a:r>
+              <a:rPr lang="en-US" dirty="0" smtClean="0"/>
+              <a:t>, </a:t>
+            </a:r>
+            <a:r>
+              <a:rPr lang="en-US" i="1" dirty="0" smtClean="0"/>
+              <a:t>a</a:t>
+            </a:r>
+            <a:r>
+              <a:rPr lang="en-US" dirty="0" smtClean="0"/>
+              <a:t>, </a:t>
             </a:r>
             <a:r>
               <a:rPr lang="en-US" i="1" dirty="0" smtClean="0"/>
@@ -6349,7 +6260,7 @@
             </a:r>
             <a:r>
               <a:rPr lang="en-US" dirty="0" smtClean="0"/>
-              <a:t> leads us to </a:t>
+              <a:t>, </a:t>
             </a:r>
             <a:r>
               <a:rPr lang="en-US" i="1" dirty="0" smtClean="0"/>
@@ -6357,29 +6268,64 @@
             </a:r>
             <a:r>
               <a:rPr lang="en-US" dirty="0" smtClean="0"/>
-              <a:t>, because </a:t>
-            </a:r>
-            <a:r>
-              <a:rPr lang="en-US" i="1" dirty="0"/>
-              <a:t>edge</a:t>
-            </a:r>
-            <a:r>
-              <a:rPr lang="en-US" dirty="0"/>
-              <a:t>(</a:t>
-            </a:r>
-            <a:r>
-              <a:rPr lang="en-US" i="1" dirty="0"/>
-              <a:t>ab</a:t>
-            </a:r>
-            <a:r>
-              <a:rPr lang="en-US" dirty="0" smtClean="0"/>
-              <a:t>) is in matching, so only edges not in matching can be included starting from </a:t>
+              <a:t>, </a:t>
             </a:r>
             <a:r>
               <a:rPr lang="en-US" i="1" dirty="0" smtClean="0"/>
-              <a:t>b</a:t>
-            </a:r>
-            <a:endParaRPr lang="en-US" dirty="0"/>
+              <a:t>f</a:t>
+            </a:r>
+            <a:r>
+              <a:rPr lang="en-US" dirty="0" smtClean="0"/>
+              <a:t>, </a:t>
+            </a:r>
+            <a:r>
+              <a:rPr lang="en-US" i="1" dirty="0" smtClean="0"/>
+              <a:t>e</a:t>
+            </a:r>
+            <a:r>
+              <a:rPr lang="en-US" dirty="0" smtClean="0"/>
+              <a:t> forms a blossom with base </a:t>
+            </a:r>
+            <a:r>
+              <a:rPr lang="en-US" i="1" dirty="0" smtClean="0"/>
+              <a:t>e</a:t>
+            </a:r>
+            <a:endParaRPr lang="en-US" dirty="0" smtClean="0"/>
+          </a:p>
+          <a:p>
+            <a:pPr lvl="1"/>
+            <a:r>
+              <a:rPr lang="en-US" dirty="0" smtClean="0"/>
+              <a:t>Blossoms cause problems when the potential augmenting path leads to a blossom through the base</a:t>
+            </a:r>
+          </a:p>
+          <a:p>
+            <a:pPr lvl="1"/>
+            <a:r>
+              <a:rPr lang="en-US" dirty="0" smtClean="0"/>
+              <a:t>Depending on the edge chosen to continue the path, an augmenting path may not be derived</a:t>
+            </a:r>
+          </a:p>
+          <a:p>
+            <a:pPr lvl="1"/>
+            <a:r>
+              <a:rPr lang="en-US" dirty="0" smtClean="0"/>
+              <a:t>If the blossom is entered through any other vertex, however, the problem is averted because only one of the two edges of the vertex can be chosen</a:t>
+            </a:r>
+          </a:p>
+          <a:p>
+            <a:pPr lvl="1"/>
+            <a:r>
+              <a:rPr lang="en-US" dirty="0" smtClean="0"/>
+              <a:t>So the idea is to detect a blossom is being entered through its base</a:t>
+            </a:r>
+          </a:p>
+          <a:p>
+            <a:pPr lvl="1"/>
+            <a:r>
+              <a:rPr lang="en-US" dirty="0" smtClean="0"/>
+              <a:t>We can then temporarily remove the blossom by replacing it with a vertex and attach to this all edges connected to the blossom</a:t>
+            </a:r>
           </a:p>
         </p:txBody>
       </p:sp>
@@ -6415,7 +6361,7 @@
     </p:spTree>
     <p:extLst>
       <p:ext uri="{BB962C8B-B14F-4D97-AF65-F5344CB8AC3E}">
-        <p14:creationId xmlns:p14="http://schemas.microsoft.com/office/powerpoint/2010/main" val="2272647776"/>
+        <p14:creationId xmlns:p14="http://schemas.microsoft.com/office/powerpoint/2010/main" val="3902197535"/>
       </p:ext>
     </p:extLst>
   </p:cSld>
@@ -6496,22 +6442,50 @@
             <a:pPr lvl="1"/>
             <a:r>
               <a:rPr lang="en-US" dirty="0" smtClean="0"/>
-              <a:t>These edges lead to vertices on an even level in the tree, but </a:t>
+              <a:t>At this point the search for an augmenting path continues</a:t>
+            </a:r>
+          </a:p>
+          <a:p>
+            <a:pPr lvl="1"/>
+            <a:r>
+              <a:rPr lang="en-US" dirty="0" smtClean="0"/>
+              <a:t>If one is found and it includes a vertex representing a blossom, the blossom is re-inserted</a:t>
+            </a:r>
+          </a:p>
+          <a:p>
+            <a:pPr lvl="1"/>
+            <a:r>
+              <a:rPr lang="en-US" dirty="0" smtClean="0"/>
+              <a:t>The path through it is then determined by going backwards from the edge that led to the blossom to an edge incident with the base</a:t>
+            </a:r>
+          </a:p>
+          <a:p>
+            <a:pPr lvl="1"/>
+            <a:r>
+              <a:rPr lang="en-US" dirty="0" smtClean="0"/>
+              <a:t>So first, we need to detect that a blossom has been entered through its base</a:t>
+            </a:r>
+          </a:p>
+          <a:p>
+            <a:pPr lvl="1"/>
+            <a:r>
+              <a:rPr lang="en-US" dirty="0" smtClean="0"/>
+              <a:t>The Hungarian tree in Figure 8.33a was generated using a breadth-first search on the graph of Figure 8.32a</a:t>
+            </a:r>
+          </a:p>
+          <a:p>
+            <a:pPr lvl="1"/>
+            <a:r>
+              <a:rPr lang="en-US" dirty="0" smtClean="0"/>
+              <a:t>Trying to find neighbors of </a:t>
             </a:r>
             <a:r>
               <a:rPr lang="en-US" i="1" dirty="0" smtClean="0"/>
-              <a:t>g </a:t>
-            </a:r>
-            <a:r>
-              <a:rPr lang="en-US" dirty="0" smtClean="0"/>
-              <a:t>has already been labeled and is on an odd level, signaling a blossom</a:t>
-            </a:r>
-          </a:p>
-          <a:p>
-            <a:pPr lvl="1"/>
-            <a:r>
-              <a:rPr lang="en-US" dirty="0" smtClean="0"/>
-              <a:t>Thus, we trace paths back in the tree from </a:t>
+              <a:t>b</a:t>
+            </a:r>
+            <a:r>
+              <a:rPr lang="en-US" dirty="0" smtClean="0"/>
+              <a:t> leads us to </a:t>
             </a:r>
             <a:r>
               <a:rPr lang="en-US" i="1" dirty="0" smtClean="0"/>
@@ -6519,119 +6493,27 @@
             </a:r>
             <a:r>
               <a:rPr lang="en-US" dirty="0" smtClean="0"/>
-              <a:t> and </a:t>
+              <a:t>, because </a:t>
+            </a:r>
+            <a:r>
+              <a:rPr lang="en-US" i="1" dirty="0"/>
+              <a:t>edge</a:t>
+            </a:r>
+            <a:r>
+              <a:rPr lang="en-US" dirty="0"/>
+              <a:t>(</a:t>
+            </a:r>
+            <a:r>
+              <a:rPr lang="en-US" i="1" dirty="0"/>
+              <a:t>ab</a:t>
+            </a:r>
+            <a:r>
+              <a:rPr lang="en-US" dirty="0" smtClean="0"/>
+              <a:t>) is in matching, so only edges not in matching can be included starting from </a:t>
             </a:r>
             <a:r>
               <a:rPr lang="en-US" i="1" dirty="0" smtClean="0"/>
               <a:t>b</a:t>
-            </a:r>
-            <a:r>
-              <a:rPr lang="en-US" dirty="0" smtClean="0"/>
-              <a:t> until we reach a common, root, which is vertex </a:t>
-            </a:r>
-            <a:r>
-              <a:rPr lang="en-US" i="1" dirty="0" smtClean="0"/>
-              <a:t>e</a:t>
-            </a:r>
-            <a:r>
-              <a:rPr lang="en-US" dirty="0" smtClean="0"/>
-              <a:t>; this is the base of the blossom</a:t>
-            </a:r>
-          </a:p>
-          <a:p>
-            <a:pPr lvl="1"/>
-            <a:r>
-              <a:rPr lang="en-US" dirty="0" smtClean="0"/>
-              <a:t>We then replace the blossom with a vertex, </a:t>
-            </a:r>
-            <a:r>
-              <a:rPr lang="en-US" i="1" dirty="0" smtClean="0"/>
-              <a:t>A</a:t>
-            </a:r>
-            <a:r>
-              <a:rPr lang="en-US" dirty="0" smtClean="0"/>
-              <a:t>, leading to the graph of Figure 8.33b</a:t>
-            </a:r>
-          </a:p>
-          <a:p>
-            <a:pPr lvl="1"/>
-            <a:r>
-              <a:rPr lang="en-US" dirty="0" smtClean="0"/>
-              <a:t>The augmenting path search is then resumed, and continues until the path is found, which is </a:t>
-            </a:r>
-            <a:r>
-              <a:rPr lang="en-US" i="1" dirty="0" smtClean="0"/>
-              <a:t>c</a:t>
-            </a:r>
-            <a:r>
-              <a:rPr lang="en-US" dirty="0" smtClean="0"/>
-              <a:t>, </a:t>
-            </a:r>
-            <a:r>
-              <a:rPr lang="en-US" i="1" dirty="0" smtClean="0"/>
-              <a:t>d</a:t>
-            </a:r>
-            <a:r>
-              <a:rPr lang="en-US" dirty="0" smtClean="0"/>
-              <a:t>, </a:t>
-            </a:r>
-            <a:r>
-              <a:rPr lang="en-US" i="1" dirty="0" smtClean="0"/>
-              <a:t>A</a:t>
-            </a:r>
-            <a:r>
-              <a:rPr lang="en-US" dirty="0" smtClean="0"/>
-              <a:t>, </a:t>
-            </a:r>
-            <a:r>
-              <a:rPr lang="en-US" i="1" dirty="0" smtClean="0"/>
-              <a:t>h</a:t>
-            </a:r>
-          </a:p>
-          <a:p>
-            <a:pPr lvl="1"/>
-            <a:r>
-              <a:rPr lang="en-US" dirty="0" smtClean="0"/>
-              <a:t>Then the blossom is expanded, and the path traced through the blossom</a:t>
-            </a:r>
-          </a:p>
-          <a:p>
-            <a:pPr lvl="1"/>
-            <a:r>
-              <a:rPr lang="en-US" dirty="0" smtClean="0"/>
-              <a:t>This is done by starting from </a:t>
-            </a:r>
-            <a:r>
-              <a:rPr lang="en-US" i="1" dirty="0"/>
-              <a:t>edge</a:t>
-            </a:r>
-            <a:r>
-              <a:rPr lang="en-US" dirty="0"/>
-              <a:t>(</a:t>
-            </a:r>
-            <a:r>
-              <a:rPr lang="en-US" i="1" dirty="0"/>
-              <a:t>hA</a:t>
-            </a:r>
-            <a:r>
-              <a:rPr lang="en-US" dirty="0" smtClean="0"/>
-              <a:t>) (now </a:t>
-            </a:r>
-            <a:r>
-              <a:rPr lang="en-US" i="1" dirty="0"/>
-              <a:t>edge</a:t>
-            </a:r>
-            <a:r>
-              <a:rPr lang="en-US" dirty="0"/>
-              <a:t>(</a:t>
-            </a:r>
-            <a:r>
-              <a:rPr lang="en-US" i="1" dirty="0"/>
-              <a:t>hf</a:t>
-            </a:r>
-            <a:r>
-              <a:rPr lang="en-US" dirty="0" smtClean="0"/>
-              <a:t>))</a:t>
             </a:r>
             <a:endParaRPr lang="en-US" dirty="0"/>
           </a:p>
@@ -6669,7 +6551,7 @@
     </p:spTree>
     <p:extLst>
       <p:ext uri="{BB962C8B-B14F-4D97-AF65-F5344CB8AC3E}">
-        <p14:creationId xmlns:p14="http://schemas.microsoft.com/office/powerpoint/2010/main" val="3799464680"/>
+        <p14:creationId xmlns:p14="http://schemas.microsoft.com/office/powerpoint/2010/main" val="2272647776"/>
       </p:ext>
     </p:extLst>
   </p:cSld>
@@ -6750,15 +6632,110 @@
             <a:pPr lvl="1"/>
             <a:r>
               <a:rPr lang="en-US" dirty="0" smtClean="0"/>
-              <a:t>That edge is not in matching, so from </a:t>
+              <a:t>These edges lead to vertices on an even level in the tree, but </a:t>
             </a:r>
             <a:r>
               <a:rPr lang="en-US" i="1" dirty="0" smtClean="0"/>
-              <a:t>f </a:t>
-            </a:r>
-            <a:r>
-              <a:rPr lang="en-US" dirty="0" smtClean="0"/>
-              <a:t>only </a:t>
+              <a:t>g </a:t>
+            </a:r>
+            <a:r>
+              <a:rPr lang="en-US" dirty="0" smtClean="0"/>
+              <a:t>has already been labeled and is on an odd level, signaling a blossom</a:t>
+            </a:r>
+          </a:p>
+          <a:p>
+            <a:pPr lvl="1"/>
+            <a:r>
+              <a:rPr lang="en-US" dirty="0" smtClean="0"/>
+              <a:t>Thus, we trace paths back in the tree from </a:t>
+            </a:r>
+            <a:r>
+              <a:rPr lang="en-US" i="1" dirty="0" smtClean="0"/>
+              <a:t>g</a:t>
+            </a:r>
+            <a:r>
+              <a:rPr lang="en-US" dirty="0" smtClean="0"/>
+              <a:t> and </a:t>
+            </a:r>
+            <a:r>
+              <a:rPr lang="en-US" i="1" dirty="0" smtClean="0"/>
+              <a:t>b</a:t>
+            </a:r>
+            <a:r>
+              <a:rPr lang="en-US" dirty="0" smtClean="0"/>
+              <a:t> until we reach a common, root, which is vertex </a:t>
+            </a:r>
+            <a:r>
+              <a:rPr lang="en-US" i="1" dirty="0" smtClean="0"/>
+              <a:t>e</a:t>
+            </a:r>
+            <a:r>
+              <a:rPr lang="en-US" dirty="0" smtClean="0"/>
+              <a:t>; this is the base of the blossom</a:t>
+            </a:r>
+          </a:p>
+          <a:p>
+            <a:pPr lvl="1"/>
+            <a:r>
+              <a:rPr lang="en-US" dirty="0" smtClean="0"/>
+              <a:t>We then replace the blossom with a vertex, </a:t>
+            </a:r>
+            <a:r>
+              <a:rPr lang="en-US" i="1" dirty="0" smtClean="0"/>
+              <a:t>A</a:t>
+            </a:r>
+            <a:r>
+              <a:rPr lang="en-US" dirty="0" smtClean="0"/>
+              <a:t>, leading to the graph of Figure 8.33b</a:t>
+            </a:r>
+          </a:p>
+          <a:p>
+            <a:pPr lvl="1"/>
+            <a:r>
+              <a:rPr lang="en-US" dirty="0" smtClean="0"/>
+              <a:t>The augmenting path search is then resumed, and continues until the path is found, which is </a:t>
+            </a:r>
+            <a:r>
+              <a:rPr lang="en-US" i="1" dirty="0" smtClean="0"/>
+              <a:t>c</a:t>
+            </a:r>
+            <a:r>
+              <a:rPr lang="en-US" dirty="0" smtClean="0"/>
+              <a:t>, </a:t>
+            </a:r>
+            <a:r>
+              <a:rPr lang="en-US" i="1" dirty="0" smtClean="0"/>
+              <a:t>d</a:t>
+            </a:r>
+            <a:r>
+              <a:rPr lang="en-US" dirty="0" smtClean="0"/>
+              <a:t>, </a:t>
+            </a:r>
+            <a:r>
+              <a:rPr lang="en-US" i="1" dirty="0" smtClean="0"/>
+              <a:t>A</a:t>
+            </a:r>
+            <a:r>
+              <a:rPr lang="en-US" dirty="0" smtClean="0"/>
+              <a:t>, </a:t>
+            </a:r>
+            <a:r>
+              <a:rPr lang="en-US" i="1" dirty="0" smtClean="0"/>
+              <a:t>h</a:t>
+            </a:r>
+          </a:p>
+          <a:p>
+            <a:pPr lvl="1"/>
+            <a:r>
+              <a:rPr lang="en-US" dirty="0" smtClean="0"/>
+              <a:t>Then the blossom is expanded, and the path traced through the blossom</a:t>
+            </a:r>
+          </a:p>
+          <a:p>
+            <a:pPr lvl="1"/>
+            <a:r>
+              <a:rPr lang="en-US" dirty="0" smtClean="0"/>
+              <a:t>This is done by starting from </a:t>
             </a:r>
             <a:r>
               <a:rPr lang="en-US" i="1" dirty="0"/>
@@ -6770,60 +6747,27 @@
             </a:r>
             <a:r>
               <a:rPr lang="en-US" i="1" dirty="0"/>
-              <a:t>fg</a:t>
-            </a:r>
-            <a:r>
-              <a:rPr lang="en-US" dirty="0" smtClean="0"/>
-              <a:t>) can be chosen so the augmenting path remains alternating</a:t>
-            </a:r>
-          </a:p>
-          <a:p>
-            <a:pPr lvl="1"/>
-            <a:r>
-              <a:rPr lang="en-US" dirty="0" smtClean="0"/>
-              <a:t>By moving through the vertices </a:t>
-            </a:r>
-            <a:r>
-              <a:rPr lang="pt-BR" i="1" dirty="0"/>
-              <a:t>f, g, b, a, e</a:t>
-            </a:r>
-            <a:r>
-              <a:rPr lang="pt-BR" i="1" dirty="0" smtClean="0"/>
-              <a:t>,</a:t>
-            </a:r>
-            <a:r>
-              <a:rPr lang="pt-BR" dirty="0" smtClean="0"/>
-              <a:t> the part of the augmenting path corresponding to </a:t>
-            </a:r>
-            <a:r>
-              <a:rPr lang="pt-BR" i="1" dirty="0" smtClean="0"/>
-              <a:t>A</a:t>
-            </a:r>
-            <a:r>
-              <a:rPr lang="pt-BR" dirty="0" smtClean="0"/>
-              <a:t> is determined, as seen in Figure 8.33c</a:t>
-            </a:r>
-          </a:p>
-          <a:p>
-            <a:pPr lvl="1"/>
-            <a:r>
-              <a:rPr lang="pt-BR" dirty="0" smtClean="0"/>
-              <a:t>So the full augmenting path is </a:t>
+              <a:t>hA</a:t>
+            </a:r>
+            <a:r>
+              <a:rPr lang="en-US" dirty="0" smtClean="0"/>
+              <a:t>) (now </a:t>
             </a:r>
             <a:r>
               <a:rPr lang="en-US" i="1" dirty="0"/>
-              <a:t>c, d, e, a, b, g, f, </a:t>
-            </a:r>
-            <a:r>
-              <a:rPr lang="en-US" i="1" dirty="0" smtClean="0"/>
-              <a:t>h</a:t>
-            </a:r>
-          </a:p>
-          <a:p>
-            <a:pPr lvl="1"/>
-            <a:r>
-              <a:rPr lang="en-US" dirty="0" smtClean="0"/>
-              <a:t>Once the path is processed, a new matching is determined, shown in Figure 8.33d</a:t>
+              <a:t>edge</a:t>
+            </a:r>
+            <a:r>
+              <a:rPr lang="en-US" dirty="0"/>
+              <a:t>(</a:t>
+            </a:r>
+            <a:r>
+              <a:rPr lang="en-US" i="1" dirty="0"/>
+              <a:t>hf</a:t>
+            </a:r>
+            <a:r>
+              <a:rPr lang="en-US" dirty="0" smtClean="0"/>
+              <a:t>))</a:t>
             </a:r>
             <a:endParaRPr lang="en-US" dirty="0"/>
           </a:p>
@@ -6861,7 +6805,7 @@
     </p:spTree>
     <p:extLst>
       <p:ext uri="{BB962C8B-B14F-4D97-AF65-F5344CB8AC3E}">
-        <p14:creationId xmlns:p14="http://schemas.microsoft.com/office/powerpoint/2010/main" val="3805200824"/>
+        <p14:creationId xmlns:p14="http://schemas.microsoft.com/office/powerpoint/2010/main" val="3799464680"/>
       </p:ext>
     </p:extLst>
   </p:cSld>
@@ -6939,70 +6883,85 @@
             </a:r>
           </a:p>
           <a:p>
-            <a:pPr marL="0" indent="0">
-              <a:buNone/>
-            </a:pPr>
+            <a:pPr lvl="1"/>
+            <a:r>
+              <a:rPr lang="en-US" dirty="0" smtClean="0"/>
+              <a:t>That edge is not in matching, so from </a:t>
+            </a:r>
+            <a:r>
+              <a:rPr lang="en-US" i="1" dirty="0" smtClean="0"/>
+              <a:t>f </a:t>
+            </a:r>
+            <a:r>
+              <a:rPr lang="en-US" dirty="0" smtClean="0"/>
+              <a:t>only </a:t>
+            </a:r>
+            <a:r>
+              <a:rPr lang="en-US" i="1" dirty="0"/>
+              <a:t>edge</a:t>
+            </a:r>
+            <a:r>
+              <a:rPr lang="en-US" dirty="0"/>
+              <a:t>(</a:t>
+            </a:r>
+            <a:r>
+              <a:rPr lang="en-US" i="1" dirty="0"/>
+              <a:t>fg</a:t>
+            </a:r>
+            <a:r>
+              <a:rPr lang="en-US" dirty="0" smtClean="0"/>
+              <a:t>) can be chosen so the augmenting path remains alternating</a:t>
+            </a:r>
+          </a:p>
+          <a:p>
+            <a:pPr lvl="1"/>
+            <a:r>
+              <a:rPr lang="en-US" dirty="0" smtClean="0"/>
+              <a:t>By moving through the vertices </a:t>
+            </a:r>
+            <a:r>
+              <a:rPr lang="pt-BR" i="1" dirty="0"/>
+              <a:t>f, g, b, a, e</a:t>
+            </a:r>
+            <a:r>
+              <a:rPr lang="pt-BR" i="1" dirty="0" smtClean="0"/>
+              <a:t>,</a:t>
+            </a:r>
+            <a:r>
+              <a:rPr lang="pt-BR" dirty="0" smtClean="0"/>
+              <a:t> the part of the augmenting path corresponding to </a:t>
+            </a:r>
+            <a:r>
+              <a:rPr lang="pt-BR" i="1" dirty="0" smtClean="0"/>
+              <a:t>A</a:t>
+            </a:r>
+            <a:r>
+              <a:rPr lang="pt-BR" dirty="0" smtClean="0"/>
+              <a:t> is determined, as seen in Figure 8.33c</a:t>
+            </a:r>
+          </a:p>
+          <a:p>
+            <a:pPr lvl="1"/>
+            <a:r>
+              <a:rPr lang="pt-BR" dirty="0" smtClean="0"/>
+              <a:t>So the full augmenting path is </a:t>
+            </a:r>
+            <a:r>
+              <a:rPr lang="en-US" i="1" dirty="0"/>
+              <a:t>c, d, e, a, b, g, f, </a:t>
+            </a:r>
+            <a:r>
+              <a:rPr lang="en-US" i="1" dirty="0" smtClean="0"/>
+              <a:t>h</a:t>
+            </a:r>
+          </a:p>
+          <a:p>
+            <a:pPr lvl="1"/>
+            <a:r>
+              <a:rPr lang="en-US" dirty="0" smtClean="0"/>
+              <a:t>Once the path is processed, a new matching is determined, shown in Figure 8.33d</a:t>
+            </a:r>
             <a:endParaRPr lang="en-US" dirty="0"/>
-          </a:p>
-          <a:p>
-            <a:pPr marL="0" indent="0">
-              <a:buNone/>
-            </a:pPr>
-            <a:endParaRPr lang="en-US" dirty="0" smtClean="0"/>
-          </a:p>
-          <a:p>
-            <a:pPr marL="0" indent="0">
-              <a:buNone/>
-            </a:pPr>
-            <a:endParaRPr lang="en-US" dirty="0"/>
-          </a:p>
-          <a:p>
-            <a:pPr marL="0" indent="0">
-              <a:buNone/>
-            </a:pPr>
-            <a:endParaRPr lang="en-US" dirty="0" smtClean="0"/>
-          </a:p>
-          <a:p>
-            <a:pPr marL="0" indent="0">
-              <a:buNone/>
-            </a:pPr>
-            <a:endParaRPr lang="en-US" dirty="0"/>
-          </a:p>
-          <a:p>
-            <a:pPr marL="0" indent="0">
-              <a:buNone/>
-            </a:pPr>
-            <a:endParaRPr lang="en-US" dirty="0" smtClean="0"/>
-          </a:p>
-          <a:p>
-            <a:pPr marL="0" indent="0">
-              <a:buNone/>
-            </a:pPr>
-            <a:endParaRPr lang="en-US" dirty="0"/>
-          </a:p>
-          <a:p>
-            <a:pPr marL="0" indent="0">
-              <a:buNone/>
-            </a:pPr>
-            <a:endParaRPr lang="en-US" dirty="0" smtClean="0"/>
-          </a:p>
-          <a:p>
-            <a:pPr marL="0" indent="0">
-              <a:buNone/>
-            </a:pPr>
-            <a:endParaRPr lang="en-US" dirty="0"/>
-          </a:p>
-          <a:p>
-            <a:pPr marL="0" indent="0" algn="ctr">
-              <a:spcBef>
-                <a:spcPts val="900"/>
-              </a:spcBef>
-              <a:buNone/>
-            </a:pPr>
-            <a:r>
-              <a:rPr lang="en-US" sz="1200" dirty="0"/>
-              <a:t>Fig. 8.33 Processing a graph with a blossom</a:t>
-            </a:r>
           </a:p>
         </p:txBody>
       </p:sp>
@@ -7030,6 +6989,183 @@
                 <a:defRPr/>
               </a:pPr>
               <a:t>23</a:t>
+            </a:fld>
+            <a:endParaRPr lang="en-US" dirty="0"/>
+          </a:p>
+        </p:txBody>
+      </p:sp>
+    </p:spTree>
+    <p:extLst>
+      <p:ext uri="{BB962C8B-B14F-4D97-AF65-F5344CB8AC3E}">
+        <p14:creationId xmlns:p14="http://schemas.microsoft.com/office/powerpoint/2010/main" val="3805200824"/>
+      </p:ext>
+    </p:extLst>
+  </p:cSld>
+  <p:clrMapOvr>
+    <a:masterClrMapping/>
+  </p:clrMapOvr>
+  <p:transition spd="slow">
+    <p:wipe/>
+  </p:transition>
+</p:sld>
+</file>
+
+<file path=ppt/slides/slide24.xml><?xml version="1.0" encoding="utf-8"?>
+<p:sld xmlns:a="http://schemas.openxmlformats.org/drawingml/2006/main" xmlns:r="http://schemas.openxmlformats.org/officeDocument/2006/relationships" xmlns:p="http://schemas.openxmlformats.org/presentationml/2006/main">
+  <p:cSld>
+    <p:spTree>
+      <p:nvGrpSpPr>
+        <p:cNvPr id="1" name=""/>
+        <p:cNvGrpSpPr/>
+        <p:nvPr/>
+      </p:nvGrpSpPr>
+      <p:grpSpPr>
+        <a:xfrm>
+          <a:off x="0" y="0"/>
+          <a:ext cx="0" cy="0"/>
+          <a:chOff x="0" y="0"/>
+          <a:chExt cx="0" cy="0"/>
+        </a:xfrm>
+      </p:grpSpPr>
+      <p:sp>
+        <p:nvSpPr>
+          <p:cNvPr id="2" name="Title 1"/>
+          <p:cNvSpPr>
+            <a:spLocks noGrp="1"/>
+          </p:cNvSpPr>
+          <p:nvPr>
+            <p:ph type="title"/>
+          </p:nvPr>
+        </p:nvSpPr>
+        <p:spPr/>
+        <p:txBody>
+          <a:bodyPr/>
+          <a:lstStyle/>
+          <a:p>
+            <a:r>
+              <a:rPr lang="en-US" dirty="0" smtClean="0"/>
+              <a:t>Matching (continued)</a:t>
+            </a:r>
+            <a:endParaRPr lang="en-US" dirty="0"/>
+          </a:p>
+        </p:txBody>
+      </p:sp>
+      <p:sp>
+        <p:nvSpPr>
+          <p:cNvPr id="3" name="Content Placeholder 2"/>
+          <p:cNvSpPr>
+            <a:spLocks noGrp="1"/>
+          </p:cNvSpPr>
+          <p:nvPr>
+            <p:ph idx="1"/>
+          </p:nvPr>
+        </p:nvSpPr>
+        <p:spPr/>
+        <p:txBody>
+          <a:bodyPr/>
+          <a:lstStyle/>
+          <a:p>
+            <a:r>
+              <a:rPr lang="en-US" dirty="0"/>
+              <a:t>Matching in Nonbipartite </a:t>
+            </a:r>
+            <a:r>
+              <a:rPr lang="en-US" dirty="0" smtClean="0"/>
+              <a:t>Graphs (continued)</a:t>
+            </a:r>
+          </a:p>
+          <a:p>
+            <a:pPr marL="0" indent="0">
+              <a:buNone/>
+            </a:pPr>
+            <a:endParaRPr lang="en-US" dirty="0"/>
+          </a:p>
+          <a:p>
+            <a:pPr marL="0" indent="0">
+              <a:buNone/>
+            </a:pPr>
+            <a:endParaRPr lang="en-US" dirty="0" smtClean="0"/>
+          </a:p>
+          <a:p>
+            <a:pPr marL="0" indent="0">
+              <a:buNone/>
+            </a:pPr>
+            <a:endParaRPr lang="en-US" dirty="0"/>
+          </a:p>
+          <a:p>
+            <a:pPr marL="0" indent="0">
+              <a:buNone/>
+            </a:pPr>
+            <a:endParaRPr lang="en-US" dirty="0" smtClean="0"/>
+          </a:p>
+          <a:p>
+            <a:pPr marL="0" indent="0">
+              <a:buNone/>
+            </a:pPr>
+            <a:endParaRPr lang="en-US" dirty="0"/>
+          </a:p>
+          <a:p>
+            <a:pPr marL="0" indent="0">
+              <a:buNone/>
+            </a:pPr>
+            <a:endParaRPr lang="en-US" dirty="0" smtClean="0"/>
+          </a:p>
+          <a:p>
+            <a:pPr marL="0" indent="0">
+              <a:buNone/>
+            </a:pPr>
+            <a:endParaRPr lang="en-US" dirty="0"/>
+          </a:p>
+          <a:p>
+            <a:pPr marL="0" indent="0">
+              <a:buNone/>
+            </a:pPr>
+            <a:endParaRPr lang="en-US" dirty="0" smtClean="0"/>
+          </a:p>
+          <a:p>
+            <a:pPr marL="0" indent="0">
+              <a:buNone/>
+            </a:pPr>
+            <a:endParaRPr lang="en-US" dirty="0"/>
+          </a:p>
+          <a:p>
+            <a:pPr marL="0" indent="0" algn="ctr">
+              <a:spcBef>
+                <a:spcPts val="900"/>
+              </a:spcBef>
+              <a:buNone/>
+            </a:pPr>
+            <a:r>
+              <a:rPr lang="en-US" sz="1200" dirty="0"/>
+              <a:t>Fig. 8.33 Processing a graph with a blossom</a:t>
+            </a:r>
+          </a:p>
+        </p:txBody>
+      </p:sp>
+      <p:sp>
+        <p:nvSpPr>
+          <p:cNvPr id="5" name="Slide Number Placeholder 4"/>
+          <p:cNvSpPr>
+            <a:spLocks noGrp="1"/>
+          </p:cNvSpPr>
+          <p:nvPr>
+            <p:ph type="sldNum" sz="quarter" idx="12"/>
+          </p:nvPr>
+        </p:nvSpPr>
+        <p:spPr/>
+        <p:txBody>
+          <a:bodyPr/>
+          <a:lstStyle/>
+          <a:p>
+            <a:pPr>
+              <a:defRPr/>
+            </a:pPr>
+            <a:fld id="{54239539-FAAE-47F3-A644-ECC48BA6469C}" type="slidenum">
+              <a:rPr lang="en-US" smtClean="0"/>
+              <a:pPr>
+                <a:defRPr/>
+              </a:pPr>
+              <a:t>24</a:t>
             </a:fld>
             <a:endParaRPr lang="en-US" dirty="0"/>
           </a:p>
@@ -7115,7 +7251,7 @@
 </p:sld>
 </file>
 
-<file path=ppt/slides/slide24.xml><?xml version="1.0" encoding="utf-8"?>
+<file path=ppt/slides/slide25.xml><?xml version="1.0" encoding="utf-8"?>
 <p:sld xmlns:a="http://schemas.openxmlformats.org/drawingml/2006/main" xmlns:r="http://schemas.openxmlformats.org/officeDocument/2006/relationships" xmlns:p="http://schemas.openxmlformats.org/presentationml/2006/main">
   <p:cSld>
     <p:bg>

--- a/slides/DS_Week10_02_GraphMatchings.pptx
+++ b/slides/DS_Week10_02_GraphMatchings.pptx
@@ -5,10 +5,10 @@
     <p:sldMasterId id="2147483649" r:id="rId1"/>
   </p:sldMasterIdLst>
   <p:notesMasterIdLst>
-    <p:notesMasterId r:id="rId27"/>
+    <p:notesMasterId r:id="rId28"/>
   </p:notesMasterIdLst>
   <p:handoutMasterIdLst>
-    <p:handoutMasterId r:id="rId28"/>
+    <p:handoutMasterId r:id="rId29"/>
   </p:handoutMasterIdLst>
   <p:sldIdLst>
     <p:sldId id="430" r:id="rId2"/>
@@ -36,6 +36,7 @@
     <p:sldId id="531" r:id="rId24"/>
     <p:sldId id="532" r:id="rId25"/>
     <p:sldId id="533" r:id="rId26"/>
+    <p:sldId id="535" r:id="rId27"/>
   </p:sldIdLst>
   <p:sldSz cx="12192000" cy="6858000"/>
   <p:notesSz cx="6858000" cy="9144000"/>
@@ -198,6 +199,7 @@
             <p14:sldId id="531"/>
             <p14:sldId id="532"/>
             <p14:sldId id="533"/>
+            <p14:sldId id="535"/>
           </p14:sldIdLst>
         </p14:section>
       </p14:sectionLst>
@@ -633,6 +635,71 @@
     </a:lvl9pPr>
   </p:notesStyle>
 </p:notesMaster>
+</file>
+
+<file path=ppt/notesSlides/notesSlide1.xml><?xml version="1.0" encoding="utf-8"?>
+<p:notes xmlns:a="http://schemas.openxmlformats.org/drawingml/2006/main" xmlns:r="http://schemas.openxmlformats.org/officeDocument/2006/relationships" xmlns:p="http://schemas.openxmlformats.org/presentationml/2006/main">
+  <p:cSld>
+    <p:spTree>
+      <p:nvGrpSpPr>
+        <p:cNvPr id="1" name=""/>
+        <p:cNvGrpSpPr/>
+        <p:nvPr/>
+      </p:nvGrpSpPr>
+      <p:grpSpPr>
+        <a:xfrm>
+          <a:off x="0" y="0"/>
+          <a:ext cx="0" cy="0"/>
+          <a:chOff x="0" y="0"/>
+          <a:chExt cx="0" cy="0"/>
+        </a:xfrm>
+      </p:grpSpPr>
+      <p:sp>
+        <p:nvSpPr>
+          <p:cNvPr id="2" name="Slide Image Placeholder 1"/>
+          <p:cNvSpPr>
+            <a:spLocks noGrp="1" noRot="1" noChangeAspect="1"/>
+          </p:cNvSpPr>
+          <p:nvPr>
+            <p:ph type="sldImg"/>
+          </p:nvPr>
+        </p:nvSpPr>
+        <p:spPr/>
+      </p:sp>
+      <p:sp>
+        <p:nvSpPr>
+          <p:cNvPr id="3" name="Notes Placeholder 2"/>
+          <p:cNvSpPr>
+            <a:spLocks noGrp="1"/>
+          </p:cNvSpPr>
+          <p:nvPr>
+            <p:ph type="body" idx="1"/>
+          </p:nvPr>
+        </p:nvSpPr>
+        <p:spPr/>
+        <p:txBody>
+          <a:bodyPr/>
+          <a:lstStyle/>
+          <a:p>
+            <a:r>
+              <a:rPr lang="lv-LV" smtClean="0"/>
+              <a:t>https://twitter.com/jazzychad/status/1466580446481772545</a:t>
+            </a:r>
+            <a:endParaRPr lang="lv-LV"/>
+          </a:p>
+        </p:txBody>
+      </p:sp>
+    </p:spTree>
+    <p:extLst>
+      <p:ext uri="{BB962C8B-B14F-4D97-AF65-F5344CB8AC3E}">
+        <p14:creationId xmlns:p14="http://schemas.microsoft.com/office/powerpoint/2010/main" val="3750919361"/>
+      </p:ext>
+    </p:extLst>
+  </p:cSld>
+  <p:clrMapOvr>
+    <a:masterClrMapping/>
+  </p:clrMapOvr>
+</p:notes>
 </file>
 
 <file path=ppt/slideLayouts/slideLayout1.xml><?xml version="1.0" encoding="utf-8"?>
@@ -7369,6 +7436,120 @@
       </p:par>
     </p:tnLst>
   </p:timing>
+</p:sld>
+</file>
+
+<file path=ppt/slides/slide26.xml><?xml version="1.0" encoding="utf-8"?>
+<p:sld xmlns:a="http://schemas.openxmlformats.org/drawingml/2006/main" xmlns:r="http://schemas.openxmlformats.org/officeDocument/2006/relationships" xmlns:p="http://schemas.openxmlformats.org/presentationml/2006/main">
+  <p:cSld>
+    <p:spTree>
+      <p:nvGrpSpPr>
+        <p:cNvPr id="1" name=""/>
+        <p:cNvGrpSpPr/>
+        <p:nvPr/>
+      </p:nvGrpSpPr>
+      <p:grpSpPr>
+        <a:xfrm>
+          <a:off x="0" y="0"/>
+          <a:ext cx="0" cy="0"/>
+          <a:chOff x="0" y="0"/>
+          <a:chExt cx="0" cy="0"/>
+        </a:xfrm>
+      </p:grpSpPr>
+      <p:sp>
+        <p:nvSpPr>
+          <p:cNvPr id="2" name="Title 1"/>
+          <p:cNvSpPr>
+            <a:spLocks noGrp="1"/>
+          </p:cNvSpPr>
+          <p:nvPr>
+            <p:ph type="title"/>
+          </p:nvPr>
+        </p:nvSpPr>
+        <p:spPr/>
+        <p:txBody>
+          <a:bodyPr/>
+          <a:lstStyle/>
+          <a:p>
+            <a:endParaRPr lang="lv-LV"/>
+          </a:p>
+        </p:txBody>
+      </p:sp>
+      <p:sp>
+        <p:nvSpPr>
+          <p:cNvPr id="4" name="Content Placeholder 3"/>
+          <p:cNvSpPr>
+            <a:spLocks noGrp="1"/>
+          </p:cNvSpPr>
+          <p:nvPr>
+            <p:ph sz="half" idx="2"/>
+          </p:nvPr>
+        </p:nvSpPr>
+        <p:spPr>
+          <a:xfrm>
+            <a:off x="5791200" y="1752600"/>
+            <a:ext cx="5791200" cy="4114800"/>
+          </a:xfrm>
+        </p:spPr>
+        <p:txBody>
+          <a:bodyPr/>
+          <a:lstStyle/>
+          <a:p>
+            <a:r>
+              <a:rPr lang="en-US" sz="2400" dirty="0" smtClean="0"/>
+              <a:t>Assume that you have a maze (a graph with vertices and edges drawn on a grid paper; each vertex is a grid point where 1, 3 or 4 lines meet, an edge is a segmented line connected them – it's weight is the total length of it.)</a:t>
+            </a:r>
+          </a:p>
+          <a:p>
+            <a:r>
+              <a:rPr lang="en-US" sz="2400" b="1" dirty="0" smtClean="0"/>
+              <a:t>Task:</a:t>
+            </a:r>
+            <a:r>
+              <a:rPr lang="en-US" sz="2400" dirty="0" smtClean="0"/>
+              <a:t> Draw this maze without lifting pen from paper. (I.e. decide the minimum-weight edges to add so that the graph receives Eulerian circuit – every vertex has even degree.)</a:t>
+            </a:r>
+            <a:endParaRPr lang="lv-LV" sz="2400" dirty="0"/>
+          </a:p>
+        </p:txBody>
+      </p:sp>
+      <p:pic>
+        <p:nvPicPr>
+          <p:cNvPr id="5" name="Picture 4"/>
+          <p:cNvPicPr>
+            <a:picLocks noChangeAspect="1"/>
+          </p:cNvPicPr>
+          <p:nvPr/>
+        </p:nvPicPr>
+        <p:blipFill>
+          <a:blip r:embed="rId3"/>
+          <a:stretch>
+            <a:fillRect/>
+          </a:stretch>
+        </p:blipFill>
+        <p:spPr>
+          <a:xfrm>
+            <a:off x="1371600" y="1676400"/>
+            <a:ext cx="4318826" cy="5029200"/>
+          </a:xfrm>
+          <a:prstGeom prst="rect">
+            <a:avLst/>
+          </a:prstGeom>
+        </p:spPr>
+      </p:pic>
+    </p:spTree>
+    <p:extLst>
+      <p:ext uri="{BB962C8B-B14F-4D97-AF65-F5344CB8AC3E}">
+        <p14:creationId xmlns:p14="http://schemas.microsoft.com/office/powerpoint/2010/main" val="3392327135"/>
+      </p:ext>
+    </p:extLst>
+  </p:cSld>
+  <p:clrMapOvr>
+    <a:masterClrMapping/>
+  </p:clrMapOvr>
+  <p:transition spd="slow">
+    <p:wipe/>
+  </p:transition>
 </p:sld>
 </file>
 
